--- a/Joystick/Joystick.pptx
+++ b/Joystick/Joystick.pptx
@@ -244,7 +244,7 @@
           <a:p>
             <a:fld id="{D683890E-4472-4958-AE87-37F5298C508C}" type="datetimeFigureOut">
               <a:rPr lang="en-US" smtClean="0"/>
-              <a:t>2/28/2019</a:t>
+              <a:t>2/25/2020</a:t>
             </a:fld>
             <a:endParaRPr lang="en-US"/>
           </a:p>
@@ -412,7 +412,7 @@
           <a:p>
             <a:fld id="{D683890E-4472-4958-AE87-37F5298C508C}" type="datetimeFigureOut">
               <a:rPr lang="en-US" smtClean="0"/>
-              <a:t>2/28/2019</a:t>
+              <a:t>2/25/2020</a:t>
             </a:fld>
             <a:endParaRPr lang="en-US"/>
           </a:p>
@@ -590,7 +590,7 @@
           <a:p>
             <a:fld id="{D683890E-4472-4958-AE87-37F5298C508C}" type="datetimeFigureOut">
               <a:rPr lang="en-US" smtClean="0"/>
-              <a:t>2/28/2019</a:t>
+              <a:t>2/25/2020</a:t>
             </a:fld>
             <a:endParaRPr lang="en-US"/>
           </a:p>
@@ -758,7 +758,7 @@
           <a:p>
             <a:fld id="{D683890E-4472-4958-AE87-37F5298C508C}" type="datetimeFigureOut">
               <a:rPr lang="en-US" smtClean="0"/>
-              <a:t>2/28/2019</a:t>
+              <a:t>2/25/2020</a:t>
             </a:fld>
             <a:endParaRPr lang="en-US"/>
           </a:p>
@@ -1003,7 +1003,7 @@
           <a:p>
             <a:fld id="{D683890E-4472-4958-AE87-37F5298C508C}" type="datetimeFigureOut">
               <a:rPr lang="en-US" smtClean="0"/>
-              <a:t>2/28/2019</a:t>
+              <a:t>2/25/2020</a:t>
             </a:fld>
             <a:endParaRPr lang="en-US"/>
           </a:p>
@@ -1232,7 +1232,7 @@
           <a:p>
             <a:fld id="{D683890E-4472-4958-AE87-37F5298C508C}" type="datetimeFigureOut">
               <a:rPr lang="en-US" smtClean="0"/>
-              <a:t>2/28/2019</a:t>
+              <a:t>2/25/2020</a:t>
             </a:fld>
             <a:endParaRPr lang="en-US"/>
           </a:p>
@@ -1596,7 +1596,7 @@
           <a:p>
             <a:fld id="{D683890E-4472-4958-AE87-37F5298C508C}" type="datetimeFigureOut">
               <a:rPr lang="en-US" smtClean="0"/>
-              <a:t>2/28/2019</a:t>
+              <a:t>2/25/2020</a:t>
             </a:fld>
             <a:endParaRPr lang="en-US"/>
           </a:p>
@@ -1713,7 +1713,7 @@
           <a:p>
             <a:fld id="{D683890E-4472-4958-AE87-37F5298C508C}" type="datetimeFigureOut">
               <a:rPr lang="en-US" smtClean="0"/>
-              <a:t>2/28/2019</a:t>
+              <a:t>2/25/2020</a:t>
             </a:fld>
             <a:endParaRPr lang="en-US"/>
           </a:p>
@@ -1808,7 +1808,7 @@
           <a:p>
             <a:fld id="{D683890E-4472-4958-AE87-37F5298C508C}" type="datetimeFigureOut">
               <a:rPr lang="en-US" smtClean="0"/>
-              <a:t>2/28/2019</a:t>
+              <a:t>2/25/2020</a:t>
             </a:fld>
             <a:endParaRPr lang="en-US"/>
           </a:p>
@@ -2083,7 +2083,7 @@
           <a:p>
             <a:fld id="{D683890E-4472-4958-AE87-37F5298C508C}" type="datetimeFigureOut">
               <a:rPr lang="en-US" smtClean="0"/>
-              <a:t>2/28/2019</a:t>
+              <a:t>2/25/2020</a:t>
             </a:fld>
             <a:endParaRPr lang="en-US"/>
           </a:p>
@@ -2335,7 +2335,7 @@
           <a:p>
             <a:fld id="{D683890E-4472-4958-AE87-37F5298C508C}" type="datetimeFigureOut">
               <a:rPr lang="en-US" smtClean="0"/>
-              <a:t>2/28/2019</a:t>
+              <a:t>2/25/2020</a:t>
             </a:fld>
             <a:endParaRPr lang="en-US"/>
           </a:p>
@@ -2546,7 +2546,7 @@
           <a:p>
             <a:fld id="{D683890E-4472-4958-AE87-37F5298C508C}" type="datetimeFigureOut">
               <a:rPr lang="en-US" smtClean="0"/>
-              <a:t>2/28/2019</a:t>
+              <a:t>2/25/2020</a:t>
             </a:fld>
             <a:endParaRPr lang="en-US"/>
           </a:p>
@@ -3033,7 +3033,7 @@
         </p:blipFill>
         <p:spPr>
           <a:xfrm>
-            <a:off x="2667000" y="0"/>
+            <a:off x="2648484" y="-121298"/>
             <a:ext cx="6858000" cy="6858000"/>
           </a:xfrm>
           <a:prstGeom prst="rect">
@@ -3086,7 +3086,7 @@
         <p:spPr>
           <a:xfrm>
             <a:off x="8826759" y="2838452"/>
-            <a:ext cx="2258008" cy="369332"/>
+            <a:ext cx="2916508" cy="369332"/>
           </a:xfrm>
           <a:prstGeom prst="rect">
             <a:avLst/>
@@ -3100,13 +3100,18 @@
           <a:lstStyle/>
           <a:p>
             <a:r>
-              <a:rPr lang="en-US" b="1" dirty="0">
+              <a:rPr lang="en-US" b="1" dirty="0" smtClean="0">
                 <a:solidFill>
                   <a:srgbClr val="FF0000"/>
                 </a:solidFill>
               </a:rPr>
-              <a:t>Button 0  Quick Turn</a:t>
-            </a:r>
+              <a:t>Limelight driving - Tringle</a:t>
+            </a:r>
+            <a:endParaRPr lang="en-US" b="1" dirty="0">
+              <a:solidFill>
+                <a:srgbClr val="FF0000"/>
+              </a:solidFill>
+            </a:endParaRPr>
           </a:p>
         </p:txBody>
       </p:sp>
@@ -3119,7 +3124,7 @@
         <p:spPr>
           <a:xfrm>
             <a:off x="8826759" y="1827654"/>
-            <a:ext cx="2258008" cy="369332"/>
+            <a:ext cx="2823374" cy="369332"/>
           </a:xfrm>
           <a:prstGeom prst="rect">
             <a:avLst/>
@@ -3133,46 +3138,72 @@
           <a:lstStyle/>
           <a:p>
             <a:r>
-              <a:rPr lang="en-US" b="1" dirty="0">
+              <a:rPr lang="en-US" b="1" dirty="0" smtClean="0">
                 <a:solidFill>
                   <a:srgbClr val="FF0000"/>
                 </a:solidFill>
               </a:rPr>
-              <a:t>Button 6 Left Pivot</a:t>
-            </a:r>
-          </a:p>
-        </p:txBody>
-      </p:sp>
-      <p:sp>
-        <p:nvSpPr>
-          <p:cNvPr id="11" name="TextBox 10"/>
-          <p:cNvSpPr txBox="1"/>
-          <p:nvPr/>
-        </p:nvSpPr>
-        <p:spPr>
-          <a:xfrm>
-            <a:off x="998375" y="1827654"/>
-            <a:ext cx="2258008" cy="369332"/>
-          </a:xfrm>
-          <a:prstGeom prst="rect">
-            <a:avLst/>
-          </a:prstGeom>
-          <a:noFill/>
-        </p:spPr>
-        <p:txBody>
-          <a:bodyPr wrap="square" rtlCol="0">
-            <a:spAutoFit/>
-          </a:bodyPr>
-          <a:lstStyle/>
-          <a:p>
-            <a:r>
-              <a:rPr lang="en-US" b="1" dirty="0">
+              <a:t>Pivot </a:t>
+            </a:r>
+            <a:r>
+              <a:rPr lang="en-US" b="1" dirty="0" smtClean="0">
                 <a:solidFill>
                   <a:srgbClr val="FF0000"/>
                 </a:solidFill>
               </a:rPr>
-              <a:t>Button 7  Right Pivot</a:t>
-            </a:r>
+              <a:t>left - </a:t>
+            </a:r>
+            <a:r>
+              <a:rPr lang="en-US" b="1" dirty="0" smtClean="0">
+                <a:solidFill>
+                  <a:srgbClr val="FF0000"/>
+                </a:solidFill>
+              </a:rPr>
+              <a:t>Left front trigger</a:t>
+            </a:r>
+            <a:endParaRPr lang="en-US" b="1" dirty="0">
+              <a:solidFill>
+                <a:srgbClr val="FF0000"/>
+              </a:solidFill>
+            </a:endParaRPr>
+          </a:p>
+        </p:txBody>
+      </p:sp>
+      <p:sp>
+        <p:nvSpPr>
+          <p:cNvPr id="11" name="TextBox 10"/>
+          <p:cNvSpPr txBox="1"/>
+          <p:nvPr/>
+        </p:nvSpPr>
+        <p:spPr>
+          <a:xfrm>
+            <a:off x="110067" y="1827654"/>
+            <a:ext cx="3146316" cy="369332"/>
+          </a:xfrm>
+          <a:prstGeom prst="rect">
+            <a:avLst/>
+          </a:prstGeom>
+          <a:noFill/>
+        </p:spPr>
+        <p:txBody>
+          <a:bodyPr wrap="square" rtlCol="0">
+            <a:spAutoFit/>
+          </a:bodyPr>
+          <a:lstStyle/>
+          <a:p>
+            <a:r>
+              <a:rPr lang="en-US" b="1" dirty="0" smtClean="0">
+                <a:solidFill>
+                  <a:srgbClr val="FF0000"/>
+                </a:solidFill>
+              </a:rPr>
+              <a:t>Right Pivot – Right front trigger</a:t>
+            </a:r>
+            <a:endParaRPr lang="en-US" b="1" dirty="0">
+              <a:solidFill>
+                <a:srgbClr val="FF0000"/>
+              </a:solidFill>
+            </a:endParaRPr>
           </a:p>
         </p:txBody>
       </p:sp>
@@ -3186,8 +3217,8 @@
         </p:nvCxnSpPr>
         <p:spPr>
           <a:xfrm flipH="1">
-            <a:off x="8052318" y="2012320"/>
-            <a:ext cx="774441" cy="22260"/>
+            <a:off x="8052319" y="2012320"/>
+            <a:ext cx="774440" cy="22260"/>
           </a:xfrm>
           <a:prstGeom prst="straightConnector1">
             <a:avLst/>
@@ -3259,8 +3290,8 @@
         </p:nvCxnSpPr>
         <p:spPr>
           <a:xfrm>
-            <a:off x="3139849" y="2034580"/>
-            <a:ext cx="1108887" cy="20846"/>
+            <a:off x="3328208" y="2034580"/>
+            <a:ext cx="920528" cy="20846"/>
           </a:xfrm>
           <a:prstGeom prst="straightConnector1">
             <a:avLst/>
@@ -3399,7 +3430,7 @@
         <p:spPr>
           <a:xfrm>
             <a:off x="579665" y="359829"/>
-            <a:ext cx="2258008" cy="369332"/>
+            <a:ext cx="2258008" cy="584775"/>
           </a:xfrm>
           <a:prstGeom prst="rect">
             <a:avLst/>
@@ -3413,13 +3444,18 @@
           <a:lstStyle/>
           <a:p>
             <a:r>
-              <a:rPr lang="en-US" b="1" dirty="0">
+              <a:rPr lang="en-US" sz="3200" b="1" dirty="0" smtClean="0">
                 <a:solidFill>
                   <a:srgbClr val="FF0000"/>
                 </a:solidFill>
               </a:rPr>
-              <a:t>DRIVING OPERATOR</a:t>
-            </a:r>
+              <a:t>DRIVER</a:t>
+            </a:r>
+            <a:endParaRPr lang="en-US" sz="3200" b="1" dirty="0">
+              <a:solidFill>
+                <a:srgbClr val="FF0000"/>
+              </a:solidFill>
+            </a:endParaRPr>
           </a:p>
         </p:txBody>
       </p:sp>
@@ -3468,7 +3504,7 @@
         <p:spPr>
           <a:xfrm>
             <a:off x="9015511" y="3370104"/>
-            <a:ext cx="2258008" cy="646331"/>
+            <a:ext cx="2258008" cy="369332"/>
           </a:xfrm>
           <a:prstGeom prst="rect">
             <a:avLst/>
@@ -3484,11 +3520,16 @@
             <a:r>
               <a:rPr lang="en-US" b="1" dirty="0">
                 <a:solidFill>
-                  <a:srgbClr val="FF0000"/>
+                  <a:srgbClr val="00B0F0"/>
                 </a:solidFill>
               </a:rPr>
-              <a:t>Button 1  Hatch Mover Extend</a:t>
-            </a:r>
+              <a:t>Deploy hook - Circle</a:t>
+            </a:r>
+            <a:endParaRPr lang="en-US" b="1" dirty="0">
+              <a:solidFill>
+                <a:srgbClr val="00B0F0"/>
+              </a:solidFill>
+            </a:endParaRPr>
           </a:p>
         </p:txBody>
       </p:sp>
@@ -3537,7 +3578,7 @@
         <p:spPr>
           <a:xfrm>
             <a:off x="8638592" y="4328259"/>
-            <a:ext cx="2258008" cy="646331"/>
+            <a:ext cx="2258008" cy="369332"/>
           </a:xfrm>
           <a:prstGeom prst="rect">
             <a:avLst/>
@@ -3551,13 +3592,18 @@
           <a:lstStyle/>
           <a:p>
             <a:r>
-              <a:rPr lang="en-US" b="1" dirty="0">
+              <a:rPr lang="en-US" b="1" dirty="0" smtClean="0">
                 <a:solidFill>
                   <a:srgbClr val="FF0000"/>
                 </a:solidFill>
               </a:rPr>
-              <a:t>Button 2  Hatch Mover Retract</a:t>
-            </a:r>
+              <a:t>Intake Arm up – X </a:t>
+            </a:r>
+            <a:endParaRPr lang="en-US" b="1" dirty="0">
+              <a:solidFill>
+                <a:srgbClr val="FF0000"/>
+              </a:solidFill>
+            </a:endParaRPr>
           </a:p>
         </p:txBody>
       </p:sp>
@@ -3569,8 +3615,8 @@
         </p:nvSpPr>
         <p:spPr>
           <a:xfrm>
-            <a:off x="8788659" y="1186188"/>
-            <a:ext cx="2258008" cy="646331"/>
+            <a:off x="8826759" y="562117"/>
+            <a:ext cx="2990363" cy="646331"/>
           </a:xfrm>
           <a:prstGeom prst="rect">
             <a:avLst/>
@@ -3584,28 +3630,41 @@
           <a:lstStyle/>
           <a:p>
             <a:r>
-              <a:rPr lang="en-US" b="1" dirty="0">
+              <a:rPr lang="en-US" b="1" dirty="0" smtClean="0">
                 <a:solidFill>
                   <a:srgbClr val="FF0000"/>
                 </a:solidFill>
               </a:rPr>
-              <a:t>Button 4 Climb Front Push Up</a:t>
-            </a:r>
+              <a:t>Retract hook, lift robot – </a:t>
+            </a:r>
+          </a:p>
+          <a:p>
+            <a:r>
+              <a:rPr lang="en-US" b="1" dirty="0" smtClean="0">
+                <a:solidFill>
+                  <a:srgbClr val="FF0000"/>
+                </a:solidFill>
+              </a:rPr>
+              <a:t>Left Front Button</a:t>
+            </a:r>
+            <a:endParaRPr lang="en-US" b="1" dirty="0">
+              <a:solidFill>
+                <a:srgbClr val="FF0000"/>
+              </a:solidFill>
+            </a:endParaRPr>
           </a:p>
         </p:txBody>
       </p:sp>
       <p:cxnSp>
         <p:nvCxnSpPr>
           <p:cNvPr id="21" name="Straight Arrow Connector 20"/>
-          <p:cNvCxnSpPr>
-            <a:stCxn id="20" idx="1"/>
-          </p:cNvCxnSpPr>
+          <p:cNvCxnSpPr/>
           <p:nvPr/>
         </p:nvCxnSpPr>
         <p:spPr>
-          <a:xfrm flipH="1" flipV="1">
-            <a:off x="8014219" y="1393114"/>
-            <a:ext cx="774440" cy="116240"/>
+          <a:xfrm flipH="1">
+            <a:off x="8052321" y="1136396"/>
+            <a:ext cx="880012" cy="201506"/>
           </a:xfrm>
           <a:prstGeom prst="straightConnector1">
             <a:avLst/>
@@ -3640,8 +3699,8 @@
         </p:nvSpPr>
         <p:spPr>
           <a:xfrm>
-            <a:off x="1070200" y="1122373"/>
-            <a:ext cx="2258008" cy="646331"/>
+            <a:off x="0" y="1122373"/>
+            <a:ext cx="3328208" cy="369332"/>
           </a:xfrm>
           <a:prstGeom prst="rect">
             <a:avLst/>
@@ -3655,26 +3714,33 @@
           <a:lstStyle/>
           <a:p>
             <a:r>
-              <a:rPr lang="en-US" b="1" dirty="0">
+              <a:rPr lang="en-US" b="1" dirty="0" smtClean="0">
                 <a:solidFill>
-                  <a:srgbClr val="FF0000"/>
+                  <a:srgbClr val="00B0F0"/>
                 </a:solidFill>
               </a:rPr>
-              <a:t>Button 5  Climb Front Push Down</a:t>
-            </a:r>
+              <a:t>Deploy hook – Right front button</a:t>
+            </a:r>
+            <a:endParaRPr lang="en-US" b="1" dirty="0">
+              <a:solidFill>
+                <a:srgbClr val="00B0F0"/>
+              </a:solidFill>
+            </a:endParaRPr>
           </a:p>
         </p:txBody>
       </p:sp>
       <p:cxnSp>
         <p:nvCxnSpPr>
           <p:cNvPr id="24" name="Straight Arrow Connector 23"/>
-          <p:cNvCxnSpPr/>
+          <p:cNvCxnSpPr>
+            <a:stCxn id="23" idx="3"/>
+          </p:cNvCxnSpPr>
           <p:nvPr/>
         </p:nvCxnSpPr>
         <p:spPr>
           <a:xfrm>
-            <a:off x="3211674" y="1329299"/>
-            <a:ext cx="1108887" cy="20846"/>
+            <a:off x="3328208" y="1307039"/>
+            <a:ext cx="992353" cy="43106"/>
           </a:xfrm>
           <a:prstGeom prst="straightConnector1">
             <a:avLst/>
@@ -3753,7 +3819,7 @@
         </p:blipFill>
         <p:spPr>
           <a:xfrm>
-            <a:off x="2667000" y="0"/>
+            <a:off x="2683933" y="0"/>
             <a:ext cx="6858000" cy="6858000"/>
           </a:xfrm>
           <a:prstGeom prst="rect">
@@ -3761,9 +3827,47 @@
           </a:prstGeom>
         </p:spPr>
       </p:pic>
+      <p:sp>
+        <p:nvSpPr>
+          <p:cNvPr id="32" name="TextBox 31"/>
+          <p:cNvSpPr txBox="1"/>
+          <p:nvPr/>
+        </p:nvSpPr>
+        <p:spPr>
+          <a:xfrm>
+            <a:off x="195381" y="280738"/>
+            <a:ext cx="2258008" cy="584775"/>
+          </a:xfrm>
+          <a:prstGeom prst="rect">
+            <a:avLst/>
+          </a:prstGeom>
+          <a:noFill/>
+        </p:spPr>
+        <p:txBody>
+          <a:bodyPr wrap="square" rtlCol="0">
+            <a:spAutoFit/>
+          </a:bodyPr>
+          <a:lstStyle/>
+          <a:p>
+            <a:r>
+              <a:rPr lang="en-US" sz="3200" b="1" dirty="0" smtClean="0">
+                <a:solidFill>
+                  <a:srgbClr val="FF0000"/>
+                </a:solidFill>
+              </a:rPr>
+              <a:t>OPERATOR</a:t>
+            </a:r>
+            <a:endParaRPr lang="en-US" sz="3200" b="1" dirty="0">
+              <a:solidFill>
+                <a:srgbClr val="FF0000"/>
+              </a:solidFill>
+            </a:endParaRPr>
+          </a:p>
+        </p:txBody>
+      </p:sp>
       <p:cxnSp>
         <p:nvCxnSpPr>
-          <p:cNvPr id="6" name="Straight Arrow Connector 5"/>
+          <p:cNvPr id="27" name="Straight Arrow Connector 26"/>
           <p:cNvCxnSpPr/>
           <p:nvPr/>
         </p:nvCxnSpPr>
@@ -3799,14 +3903,52 @@
       </p:cxnSp>
       <p:sp>
         <p:nvSpPr>
-          <p:cNvPr id="8" name="TextBox 7"/>
+          <p:cNvPr id="29" name="TextBox 28"/>
           <p:cNvSpPr txBox="1"/>
           <p:nvPr/>
         </p:nvSpPr>
         <p:spPr>
           <a:xfrm>
-            <a:off x="8826759" y="2745393"/>
-            <a:ext cx="2258008" cy="369332"/>
+            <a:off x="8826758" y="2838452"/>
+            <a:ext cx="3060441" cy="369332"/>
+          </a:xfrm>
+          <a:prstGeom prst="rect">
+            <a:avLst/>
+          </a:prstGeom>
+          <a:noFill/>
+        </p:spPr>
+        <p:txBody>
+          <a:bodyPr wrap="square" rtlCol="0">
+            <a:spAutoFit/>
+          </a:bodyPr>
+          <a:lstStyle/>
+          <a:p>
+            <a:r>
+              <a:rPr lang="en-US" b="1" dirty="0" smtClean="0">
+                <a:solidFill>
+                  <a:srgbClr val="FF0000"/>
+                </a:solidFill>
+              </a:rPr>
+              <a:t>Control Panel 3 turns - Tringle</a:t>
+            </a:r>
+            <a:endParaRPr lang="en-US" b="1" dirty="0">
+              <a:solidFill>
+                <a:srgbClr val="FF0000"/>
+              </a:solidFill>
+            </a:endParaRPr>
+          </a:p>
+        </p:txBody>
+      </p:sp>
+      <p:sp>
+        <p:nvSpPr>
+          <p:cNvPr id="33" name="TextBox 32"/>
+          <p:cNvSpPr txBox="1"/>
+          <p:nvPr/>
+        </p:nvSpPr>
+        <p:spPr>
+          <a:xfrm>
+            <a:off x="8826759" y="1827654"/>
+            <a:ext cx="3289040" cy="369332"/>
           </a:xfrm>
           <a:prstGeom prst="rect">
             <a:avLst/>
@@ -3825,87 +3967,42 @@
                   <a:srgbClr val="FF0000"/>
                 </a:solidFill>
               </a:rPr>
-              <a:t>Button 0  Level Up</a:t>
-            </a:r>
-          </a:p>
-        </p:txBody>
-      </p:sp>
-      <p:sp>
-        <p:nvSpPr>
-          <p:cNvPr id="9" name="TextBox 8"/>
-          <p:cNvSpPr txBox="1"/>
-          <p:nvPr/>
-        </p:nvSpPr>
-        <p:spPr>
-          <a:xfrm>
-            <a:off x="8826759" y="3307702"/>
-            <a:ext cx="2258008" cy="646331"/>
-          </a:xfrm>
-          <a:prstGeom prst="rect">
-            <a:avLst/>
-          </a:prstGeom>
-          <a:noFill/>
-        </p:spPr>
-        <p:txBody>
-          <a:bodyPr wrap="square" rtlCol="0">
-            <a:spAutoFit/>
-          </a:bodyPr>
-          <a:lstStyle/>
-          <a:p>
-            <a:r>
-              <a:rPr lang="en-US" b="1" dirty="0">
+              <a:t>Transfer </a:t>
+            </a:r>
+            <a:r>
+              <a:rPr lang="en-US" b="1" dirty="0" smtClean="0">
                 <a:solidFill>
                   <a:srgbClr val="FF0000"/>
                 </a:solidFill>
               </a:rPr>
-              <a:t>Button 1 Climb Back Push Up</a:t>
-            </a:r>
-          </a:p>
-        </p:txBody>
-      </p:sp>
-      <p:sp>
-        <p:nvSpPr>
-          <p:cNvPr id="10" name="TextBox 9"/>
-          <p:cNvSpPr txBox="1"/>
-          <p:nvPr/>
-        </p:nvSpPr>
-        <p:spPr>
-          <a:xfrm>
-            <a:off x="8826759" y="3963639"/>
-            <a:ext cx="2258008" cy="646331"/>
-          </a:xfrm>
-          <a:prstGeom prst="rect">
-            <a:avLst/>
-          </a:prstGeom>
-          <a:noFill/>
-        </p:spPr>
-        <p:txBody>
-          <a:bodyPr wrap="square" rtlCol="0">
-            <a:spAutoFit/>
-          </a:bodyPr>
-          <a:lstStyle/>
-          <a:p>
-            <a:r>
-              <a:rPr lang="en-US" b="1" dirty="0">
+              <a:t>stuck - </a:t>
+            </a:r>
+            <a:r>
+              <a:rPr lang="en-US" b="1" dirty="0" smtClean="0">
                 <a:solidFill>
                   <a:srgbClr val="FF0000"/>
                 </a:solidFill>
               </a:rPr>
-              <a:t>Button 3  Climb Back Push Down</a:t>
-            </a:r>
-          </a:p>
-        </p:txBody>
-      </p:sp>
-      <p:sp>
-        <p:nvSpPr>
-          <p:cNvPr id="11" name="TextBox 10"/>
+              <a:t>Left front trigger</a:t>
+            </a:r>
+            <a:endParaRPr lang="en-US" b="1" dirty="0">
+              <a:solidFill>
+                <a:srgbClr val="FF0000"/>
+              </a:solidFill>
+            </a:endParaRPr>
+          </a:p>
+        </p:txBody>
+      </p:sp>
+      <p:sp>
+        <p:nvSpPr>
+          <p:cNvPr id="34" name="TextBox 33"/>
           <p:cNvSpPr txBox="1"/>
           <p:nvPr/>
         </p:nvSpPr>
         <p:spPr>
           <a:xfrm>
-            <a:off x="8826759" y="4615561"/>
-            <a:ext cx="2258008" cy="369332"/>
+            <a:off x="110067" y="1827654"/>
+            <a:ext cx="3146316" cy="646331"/>
           </a:xfrm>
           <a:prstGeom prst="rect">
             <a:avLst/>
@@ -3919,26 +4016,43 @@
           <a:lstStyle/>
           <a:p>
             <a:r>
-              <a:rPr lang="en-US" b="1" dirty="0">
+              <a:rPr lang="en-US" b="1" dirty="0" smtClean="0">
                 <a:solidFill>
                   <a:srgbClr val="FF0000"/>
                 </a:solidFill>
               </a:rPr>
-              <a:t>Button 2  Level Down</a:t>
-            </a:r>
+              <a:t>Transfer to shooter – </a:t>
+            </a:r>
+          </a:p>
+          <a:p>
+            <a:r>
+              <a:rPr lang="en-US" b="1" dirty="0" smtClean="0">
+                <a:solidFill>
+                  <a:srgbClr val="FF0000"/>
+                </a:solidFill>
+              </a:rPr>
+              <a:t>Right front trigger</a:t>
+            </a:r>
+            <a:endParaRPr lang="en-US" b="1" dirty="0">
+              <a:solidFill>
+                <a:srgbClr val="FF0000"/>
+              </a:solidFill>
+            </a:endParaRPr>
           </a:p>
         </p:txBody>
       </p:sp>
       <p:cxnSp>
         <p:nvCxnSpPr>
-          <p:cNvPr id="12" name="Straight Arrow Connector 11"/>
-          <p:cNvCxnSpPr/>
+          <p:cNvPr id="35" name="Straight Arrow Connector 34"/>
+          <p:cNvCxnSpPr>
+            <a:stCxn id="33" idx="1"/>
+          </p:cNvCxnSpPr>
           <p:nvPr/>
         </p:nvCxnSpPr>
         <p:spPr>
-          <a:xfrm flipH="1" flipV="1">
-            <a:off x="6679361" y="4106056"/>
-            <a:ext cx="2147398" cy="24807"/>
+          <a:xfrm flipH="1">
+            <a:off x="8052319" y="2012320"/>
+            <a:ext cx="774440" cy="22260"/>
           </a:xfrm>
           <a:prstGeom prst="straightConnector1">
             <a:avLst/>
@@ -3967,14 +4081,14 @@
       </p:cxnSp>
       <p:cxnSp>
         <p:nvCxnSpPr>
-          <p:cNvPr id="13" name="Straight Arrow Connector 12"/>
+          <p:cNvPr id="36" name="Straight Arrow Connector 35"/>
           <p:cNvCxnSpPr/>
           <p:nvPr/>
         </p:nvCxnSpPr>
         <p:spPr>
           <a:xfrm flipH="1">
-            <a:off x="7555755" y="3502099"/>
-            <a:ext cx="1177698" cy="484326"/>
+            <a:off x="4210266" y="3751893"/>
+            <a:ext cx="790446" cy="2606574"/>
           </a:xfrm>
           <a:prstGeom prst="straightConnector1">
             <a:avLst/>
@@ -3983,7 +4097,8 @@
             <a:solidFill>
               <a:srgbClr val="FF0000"/>
             </a:solidFill>
-            <a:tailEnd type="triangle"/>
+            <a:headEnd type="triangle" w="med" len="med"/>
+            <a:tailEnd type="triangle" w="med" len="med"/>
           </a:ln>
         </p:spPr>
         <p:style>
@@ -4003,14 +4118,14 @@
       </p:cxnSp>
       <p:cxnSp>
         <p:nvCxnSpPr>
-          <p:cNvPr id="14" name="Straight Arrow Connector 13"/>
+          <p:cNvPr id="37" name="Straight Arrow Connector 36"/>
           <p:cNvCxnSpPr/>
           <p:nvPr/>
         </p:nvCxnSpPr>
         <p:spPr>
-          <a:xfrm flipH="1" flipV="1">
-            <a:off x="7033925" y="4535078"/>
-            <a:ext cx="1792834" cy="224933"/>
+          <a:xfrm>
+            <a:off x="3328208" y="2034580"/>
+            <a:ext cx="920528" cy="20846"/>
           </a:xfrm>
           <a:prstGeom prst="straightConnector1">
             <a:avLst/>
@@ -4039,14 +4154,14 @@
       </p:cxnSp>
       <p:sp>
         <p:nvSpPr>
-          <p:cNvPr id="18" name="TextBox 17"/>
+          <p:cNvPr id="40" name="TextBox 39"/>
           <p:cNvSpPr txBox="1"/>
           <p:nvPr/>
         </p:nvSpPr>
         <p:spPr>
           <a:xfrm>
-            <a:off x="9321282" y="755872"/>
-            <a:ext cx="2258008" cy="369332"/>
+            <a:off x="1210733" y="6173801"/>
+            <a:ext cx="2982352" cy="369332"/>
           </a:xfrm>
           <a:prstGeom prst="rect">
             <a:avLst/>
@@ -4062,24 +4177,61 @@
             <a:r>
               <a:rPr lang="en-US" b="1" dirty="0">
                 <a:solidFill>
-                  <a:srgbClr val="FF0000"/>
+                  <a:srgbClr val="00B0F0"/>
                 </a:solidFill>
               </a:rPr>
-              <a:t>Button 4 Cargo Hold</a:t>
-            </a:r>
+              <a:t>Climb </a:t>
+            </a:r>
+            <a:r>
+              <a:rPr lang="en-US" b="1" dirty="0">
+                <a:solidFill>
+                  <a:srgbClr val="00B0F0"/>
+                </a:solidFill>
+              </a:rPr>
+              <a:t>motor</a:t>
+            </a:r>
+            <a:r>
+              <a:rPr lang="en-US" b="1" dirty="0">
+                <a:solidFill>
+                  <a:srgbClr val="00B0F0"/>
+                </a:solidFill>
+              </a:rPr>
+              <a:t> - Left </a:t>
+            </a:r>
+            <a:r>
+              <a:rPr lang="en-US" b="1" dirty="0">
+                <a:solidFill>
+                  <a:srgbClr val="00B0F0"/>
+                </a:solidFill>
+              </a:rPr>
+              <a:t>Joystick </a:t>
+            </a:r>
+            <a:r>
+              <a:rPr lang="en-US" b="1" dirty="0">
+                <a:solidFill>
+                  <a:srgbClr val="00B0F0"/>
+                </a:solidFill>
+              </a:rPr>
+              <a:t>1</a:t>
+            </a:r>
+            <a:endParaRPr lang="en-US" b="1" dirty="0">
+              <a:solidFill>
+                <a:srgbClr val="00B0F0"/>
+              </a:solidFill>
+            </a:endParaRPr>
           </a:p>
         </p:txBody>
       </p:sp>
       <p:cxnSp>
         <p:nvCxnSpPr>
-          <p:cNvPr id="19" name="Straight Arrow Connector 18"/>
+          <p:cNvPr id="41" name="Straight Arrow Connector 40"/>
           <p:cNvCxnSpPr/>
           <p:nvPr/>
         </p:nvCxnSpPr>
         <p:spPr>
           <a:xfrm flipH="1">
-            <a:off x="8050278" y="950269"/>
-            <a:ext cx="1177698" cy="484326"/>
+            <a:off x="7699981" y="3429406"/>
+            <a:ext cx="1548881" cy="569168"/>
           </a:xfrm>
           <a:prstGeom prst="straightConnector1">
             <a:avLst/>
@@ -4108,14 +4260,14 @@
       </p:cxnSp>
       <p:sp>
         <p:nvSpPr>
-          <p:cNvPr id="20" name="TextBox 19"/>
+          <p:cNvPr id="42" name="TextBox 41"/>
           <p:cNvSpPr txBox="1"/>
           <p:nvPr/>
         </p:nvSpPr>
         <p:spPr>
           <a:xfrm>
-            <a:off x="9321282" y="1540895"/>
-            <a:ext cx="2528596" cy="369332"/>
+            <a:off x="9268020" y="3263896"/>
+            <a:ext cx="2258008" cy="369332"/>
           </a:xfrm>
           <a:prstGeom prst="rect">
             <a:avLst/>
@@ -4129,26 +4281,39 @@
           <a:lstStyle/>
           <a:p>
             <a:r>
+              <a:rPr lang="en-US" b="1" dirty="0" smtClean="0">
+                <a:solidFill>
+                  <a:srgbClr val="00B0F0"/>
+                </a:solidFill>
+              </a:rPr>
+              <a:t>Climb motor- </a:t>
+            </a:r>
+            <a:r>
               <a:rPr lang="en-US" b="1" dirty="0">
                 <a:solidFill>
-                  <a:srgbClr val="FF0000"/>
+                  <a:srgbClr val="00B0F0"/>
                 </a:solidFill>
               </a:rPr>
-              <a:t>Button 6 Cargo Release</a:t>
-            </a:r>
+              <a:t>Circle</a:t>
+            </a:r>
+            <a:endParaRPr lang="en-US" b="1" dirty="0">
+              <a:solidFill>
+                <a:srgbClr val="00B0F0"/>
+              </a:solidFill>
+            </a:endParaRPr>
           </a:p>
         </p:txBody>
       </p:sp>
       <p:cxnSp>
         <p:nvCxnSpPr>
-          <p:cNvPr id="21" name="Straight Arrow Connector 20"/>
+          <p:cNvPr id="43" name="Straight Arrow Connector 42"/>
           <p:cNvCxnSpPr/>
           <p:nvPr/>
         </p:nvCxnSpPr>
         <p:spPr>
-          <a:xfrm flipH="1">
-            <a:off x="8050278" y="1735292"/>
-            <a:ext cx="1177698" cy="484326"/>
+          <a:xfrm flipH="1" flipV="1">
+            <a:off x="7008652" y="4527093"/>
+            <a:ext cx="1818106" cy="528087"/>
           </a:xfrm>
           <a:prstGeom prst="straightConnector1">
             <a:avLst/>
@@ -4177,13 +4342,13 @@
       </p:cxnSp>
       <p:sp>
         <p:nvSpPr>
-          <p:cNvPr id="22" name="TextBox 21"/>
+          <p:cNvPr id="44" name="TextBox 43"/>
           <p:cNvSpPr txBox="1"/>
           <p:nvPr/>
         </p:nvSpPr>
         <p:spPr>
           <a:xfrm>
-            <a:off x="1026367" y="930807"/>
+            <a:off x="8826758" y="4870514"/>
             <a:ext cx="2258008" cy="369332"/>
           </a:xfrm>
           <a:prstGeom prst="rect">
@@ -4198,26 +4363,87 @@
           <a:lstStyle/>
           <a:p>
             <a:r>
-              <a:rPr lang="en-US" b="1" dirty="0">
+              <a:rPr lang="en-US" b="1" dirty="0" smtClean="0">
                 <a:solidFill>
                   <a:srgbClr val="FF0000"/>
                 </a:solidFill>
               </a:rPr>
-              <a:t>Button 5 Hatch Hold</a:t>
-            </a:r>
+              <a:t>Intake Arm up – X </a:t>
+            </a:r>
+            <a:endParaRPr lang="en-US" b="1" dirty="0">
+              <a:solidFill>
+                <a:srgbClr val="FF0000"/>
+              </a:solidFill>
+            </a:endParaRPr>
+          </a:p>
+        </p:txBody>
+      </p:sp>
+      <p:sp>
+        <p:nvSpPr>
+          <p:cNvPr id="45" name="TextBox 44"/>
+          <p:cNvSpPr txBox="1"/>
+          <p:nvPr/>
+        </p:nvSpPr>
+        <p:spPr>
+          <a:xfrm>
+            <a:off x="8826759" y="562117"/>
+            <a:ext cx="2990363" cy="646331"/>
+          </a:xfrm>
+          <a:prstGeom prst="rect">
+            <a:avLst/>
+          </a:prstGeom>
+          <a:noFill/>
+        </p:spPr>
+        <p:txBody>
+          <a:bodyPr wrap="square" rtlCol="0">
+            <a:spAutoFit/>
+          </a:bodyPr>
+          <a:lstStyle/>
+          <a:p>
+            <a:r>
+              <a:rPr lang="en-US" b="1" dirty="0" smtClean="0">
+                <a:solidFill>
+                  <a:srgbClr val="FF0000"/>
+                </a:solidFill>
+              </a:rPr>
+              <a:t>Intake / Lower arm </a:t>
+            </a:r>
+            <a:r>
+              <a:rPr lang="en-US" b="1" dirty="0" smtClean="0">
+                <a:solidFill>
+                  <a:srgbClr val="FF0000"/>
+                </a:solidFill>
+              </a:rPr>
+              <a:t>– </a:t>
+            </a:r>
+          </a:p>
+          <a:p>
+            <a:r>
+              <a:rPr lang="en-US" b="1" dirty="0" smtClean="0">
+                <a:solidFill>
+                  <a:srgbClr val="FF0000"/>
+                </a:solidFill>
+              </a:rPr>
+              <a:t>Left Front Button</a:t>
+            </a:r>
+            <a:endParaRPr lang="en-US" b="1" dirty="0">
+              <a:solidFill>
+                <a:srgbClr val="FF0000"/>
+              </a:solidFill>
+            </a:endParaRPr>
           </a:p>
         </p:txBody>
       </p:sp>
       <p:cxnSp>
         <p:nvCxnSpPr>
-          <p:cNvPr id="23" name="Straight Arrow Connector 22"/>
+          <p:cNvPr id="46" name="Straight Arrow Connector 45"/>
           <p:cNvCxnSpPr/>
           <p:nvPr/>
         </p:nvCxnSpPr>
         <p:spPr>
-          <a:xfrm>
-            <a:off x="3041780" y="1125204"/>
-            <a:ext cx="1185814" cy="174935"/>
+          <a:xfrm flipH="1">
+            <a:off x="8052321" y="1136396"/>
+            <a:ext cx="880012" cy="201506"/>
           </a:xfrm>
           <a:prstGeom prst="straightConnector1">
             <a:avLst/>
@@ -4246,14 +4472,14 @@
       </p:cxnSp>
       <p:sp>
         <p:nvSpPr>
-          <p:cNvPr id="24" name="TextBox 23"/>
+          <p:cNvPr id="47" name="TextBox 46"/>
           <p:cNvSpPr txBox="1"/>
           <p:nvPr/>
         </p:nvSpPr>
         <p:spPr>
           <a:xfrm>
-            <a:off x="612710" y="1729145"/>
-            <a:ext cx="2671665" cy="369332"/>
+            <a:off x="408744" y="1122373"/>
+            <a:ext cx="2919464" cy="369332"/>
           </a:xfrm>
           <a:prstGeom prst="rect">
             <a:avLst/>
@@ -4266,27 +4492,42 @@
           </a:bodyPr>
           <a:lstStyle/>
           <a:p>
+            <a:r>
+              <a:rPr lang="en-US" b="1" dirty="0" smtClean="0">
+                <a:solidFill>
+                  <a:srgbClr val="FF0000"/>
+                </a:solidFill>
+              </a:rPr>
+              <a:t>Shooter– </a:t>
+            </a:r>
             <a:r>
               <a:rPr lang="en-US" b="1" dirty="0">
                 <a:solidFill>
                   <a:srgbClr val="FF0000"/>
                 </a:solidFill>
               </a:rPr>
-              <a:t>Button 7 Hatch Release</a:t>
-            </a:r>
+              <a:t>Right front button</a:t>
+            </a:r>
+            <a:endParaRPr lang="en-US" b="1" dirty="0">
+              <a:solidFill>
+                <a:srgbClr val="FF0000"/>
+              </a:solidFill>
+            </a:endParaRPr>
           </a:p>
         </p:txBody>
       </p:sp>
       <p:cxnSp>
         <p:nvCxnSpPr>
-          <p:cNvPr id="25" name="Straight Arrow Connector 24"/>
-          <p:cNvCxnSpPr/>
+          <p:cNvPr id="48" name="Straight Arrow Connector 47"/>
+          <p:cNvCxnSpPr>
+            <a:stCxn id="47" idx="3"/>
+          </p:cNvCxnSpPr>
           <p:nvPr/>
         </p:nvCxnSpPr>
         <p:spPr>
           <a:xfrm>
-            <a:off x="3041780" y="1910227"/>
-            <a:ext cx="1185814" cy="170067"/>
+            <a:off x="3328208" y="1307039"/>
+            <a:ext cx="992353" cy="43106"/>
           </a:xfrm>
           <a:prstGeom prst="straightConnector1">
             <a:avLst/>
@@ -4315,16 +4556,14 @@
       </p:cxnSp>
       <p:cxnSp>
         <p:nvCxnSpPr>
-          <p:cNvPr id="28" name="Straight Arrow Connector 27"/>
-          <p:cNvCxnSpPr>
-            <a:endCxn id="31" idx="0"/>
-          </p:cNvCxnSpPr>
+          <p:cNvPr id="51" name="Straight Arrow Connector 50"/>
+          <p:cNvCxnSpPr/>
           <p:nvPr/>
         </p:nvCxnSpPr>
         <p:spPr>
-          <a:xfrm flipH="1">
-            <a:off x="4228323" y="3592286"/>
-            <a:ext cx="642258" cy="2401385"/>
+          <a:xfrm flipH="1" flipV="1">
+            <a:off x="6871534" y="4042006"/>
+            <a:ext cx="1955224" cy="406287"/>
           </a:xfrm>
           <a:prstGeom prst="straightConnector1">
             <a:avLst/>
@@ -4333,8 +4572,7 @@
             <a:solidFill>
               <a:srgbClr val="FF0000"/>
             </a:solidFill>
-            <a:headEnd type="triangle" w="med" len="med"/>
-            <a:tailEnd type="triangle" w="med" len="med"/>
+            <a:tailEnd type="triangle"/>
           </a:ln>
         </p:spPr>
         <p:style>
@@ -4354,14 +4592,14 @@
       </p:cxnSp>
       <p:sp>
         <p:nvSpPr>
-          <p:cNvPr id="30" name="TextBox 29"/>
+          <p:cNvPr id="52" name="TextBox 51"/>
           <p:cNvSpPr txBox="1"/>
           <p:nvPr/>
         </p:nvSpPr>
         <p:spPr>
           <a:xfrm>
-            <a:off x="5407819" y="5989558"/>
-            <a:ext cx="1639320" cy="646331"/>
+            <a:off x="8873314" y="4079724"/>
+            <a:ext cx="2723115" cy="646331"/>
           </a:xfrm>
           <a:prstGeom prst="rect">
             <a:avLst/>
@@ -4375,139 +4613,21 @@
           <a:lstStyle/>
           <a:p>
             <a:r>
-              <a:rPr lang="en-US" b="1" dirty="0">
+              <a:rPr lang="en-US" b="1" dirty="0" smtClean="0">
                 <a:solidFill>
                   <a:srgbClr val="FF0000"/>
                 </a:solidFill>
               </a:rPr>
-              <a:t>Right Joystick 4 </a:t>
-            </a:r>
-          </a:p>
-          <a:p>
-            <a:r>
-              <a:rPr lang="en-US" b="1" dirty="0">
-                <a:solidFill>
-                  <a:srgbClr val="FF0000"/>
-                </a:solidFill>
-              </a:rPr>
-              <a:t>Extension</a:t>
-            </a:r>
-          </a:p>
-        </p:txBody>
-      </p:sp>
-      <p:sp>
-        <p:nvSpPr>
-          <p:cNvPr id="31" name="TextBox 30"/>
-          <p:cNvSpPr txBox="1"/>
-          <p:nvPr/>
-        </p:nvSpPr>
-        <p:spPr>
-          <a:xfrm>
-            <a:off x="3463796" y="5993671"/>
-            <a:ext cx="1529053" cy="646331"/>
-          </a:xfrm>
-          <a:prstGeom prst="rect">
-            <a:avLst/>
-          </a:prstGeom>
-          <a:noFill/>
-        </p:spPr>
-        <p:txBody>
-          <a:bodyPr wrap="square" rtlCol="0">
-            <a:spAutoFit/>
-          </a:bodyPr>
-          <a:lstStyle/>
-          <a:p>
-            <a:r>
-              <a:rPr lang="en-US" b="1" dirty="0">
-                <a:solidFill>
-                  <a:srgbClr val="FF0000"/>
-                </a:solidFill>
-              </a:rPr>
-              <a:t>Left Joystick 1 </a:t>
-            </a:r>
-          </a:p>
-          <a:p>
-            <a:r>
-              <a:rPr lang="en-US" b="1" dirty="0">
-                <a:solidFill>
-                  <a:srgbClr val="FF0000"/>
-                </a:solidFill>
-              </a:rPr>
-              <a:t>Elevator</a:t>
-            </a:r>
-          </a:p>
-        </p:txBody>
-      </p:sp>
-      <p:sp>
-        <p:nvSpPr>
-          <p:cNvPr id="32" name="TextBox 31"/>
-          <p:cNvSpPr txBox="1"/>
-          <p:nvPr/>
-        </p:nvSpPr>
-        <p:spPr>
-          <a:xfrm>
-            <a:off x="178448" y="280738"/>
-            <a:ext cx="2258008" cy="369332"/>
-          </a:xfrm>
-          <a:prstGeom prst="rect">
-            <a:avLst/>
-          </a:prstGeom>
-          <a:noFill/>
-        </p:spPr>
-        <p:txBody>
-          <a:bodyPr wrap="square" rtlCol="0">
-            <a:spAutoFit/>
-          </a:bodyPr>
-          <a:lstStyle/>
-          <a:p>
-            <a:r>
-              <a:rPr lang="en-US" b="1" dirty="0">
-                <a:solidFill>
-                  <a:srgbClr val="FF0000"/>
-                </a:solidFill>
-              </a:rPr>
-              <a:t>GAME OPERATOR</a:t>
-            </a:r>
-          </a:p>
-        </p:txBody>
-      </p:sp>
-      <p:cxnSp>
-        <p:nvCxnSpPr>
-          <p:cNvPr id="26" name="Straight Arrow Connector 25"/>
-          <p:cNvCxnSpPr/>
-          <p:nvPr/>
-        </p:nvCxnSpPr>
-        <p:spPr>
-          <a:xfrm flipH="1">
-            <a:off x="5677390" y="3592286"/>
-            <a:ext cx="598518" cy="2441963"/>
-          </a:xfrm>
-          <a:prstGeom prst="straightConnector1">
-            <a:avLst/>
-          </a:prstGeom>
-          <a:ln w="38100">
-            <a:solidFill>
-              <a:srgbClr val="FF0000"/>
-            </a:solidFill>
-            <a:headEnd type="triangle" w="med" len="med"/>
-            <a:tailEnd type="triangle" w="med" len="med"/>
-          </a:ln>
-        </p:spPr>
-        <p:style>
-          <a:lnRef idx="1">
-            <a:schemeClr val="accent1"/>
-          </a:lnRef>
-          <a:fillRef idx="0">
-            <a:schemeClr val="accent1"/>
-          </a:fillRef>
-          <a:effectRef idx="0">
-            <a:schemeClr val="accent1"/>
-          </a:effectRef>
-          <a:fontRef idx="minor">
-            <a:schemeClr val="tx1"/>
-          </a:fontRef>
-        </p:style>
-      </p:cxnSp>
+              <a:t>Control Panel Color Match - Square</a:t>
+            </a:r>
+            <a:endParaRPr lang="en-US" b="1" dirty="0">
+              <a:solidFill>
+                <a:srgbClr val="FF0000"/>
+              </a:solidFill>
+            </a:endParaRPr>
+          </a:p>
+        </p:txBody>
+      </p:sp>
     </p:spTree>
     <p:extLst>
       <p:ext uri="{BB962C8B-B14F-4D97-AF65-F5344CB8AC3E}">

--- a/Joystick/Joystick.pptx
+++ b/Joystick/Joystick.pptx
@@ -9,6 +9,8 @@
     <p:sldId id="269" r:id="rId3"/>
     <p:sldId id="270" r:id="rId4"/>
     <p:sldId id="271" r:id="rId5"/>
+    <p:sldId id="272" r:id="rId6"/>
+    <p:sldId id="273" r:id="rId7"/>
   </p:sldIdLst>
   <p:sldSz cx="12192000" cy="6858000"/>
   <p:notesSz cx="6858000" cy="9144000"/>
@@ -244,7 +246,7 @@
           <a:p>
             <a:fld id="{D683890E-4472-4958-AE87-37F5298C508C}" type="datetimeFigureOut">
               <a:rPr lang="en-US" smtClean="0"/>
-              <a:t>2/25/2020</a:t>
+              <a:t>2/26/2020</a:t>
             </a:fld>
             <a:endParaRPr lang="en-US"/>
           </a:p>
@@ -412,7 +414,7 @@
           <a:p>
             <a:fld id="{D683890E-4472-4958-AE87-37F5298C508C}" type="datetimeFigureOut">
               <a:rPr lang="en-US" smtClean="0"/>
-              <a:t>2/25/2020</a:t>
+              <a:t>2/26/2020</a:t>
             </a:fld>
             <a:endParaRPr lang="en-US"/>
           </a:p>
@@ -590,7 +592,7 @@
           <a:p>
             <a:fld id="{D683890E-4472-4958-AE87-37F5298C508C}" type="datetimeFigureOut">
               <a:rPr lang="en-US" smtClean="0"/>
-              <a:t>2/25/2020</a:t>
+              <a:t>2/26/2020</a:t>
             </a:fld>
             <a:endParaRPr lang="en-US"/>
           </a:p>
@@ -758,7 +760,7 @@
           <a:p>
             <a:fld id="{D683890E-4472-4958-AE87-37F5298C508C}" type="datetimeFigureOut">
               <a:rPr lang="en-US" smtClean="0"/>
-              <a:t>2/25/2020</a:t>
+              <a:t>2/26/2020</a:t>
             </a:fld>
             <a:endParaRPr lang="en-US"/>
           </a:p>
@@ -1003,7 +1005,7 @@
           <a:p>
             <a:fld id="{D683890E-4472-4958-AE87-37F5298C508C}" type="datetimeFigureOut">
               <a:rPr lang="en-US" smtClean="0"/>
-              <a:t>2/25/2020</a:t>
+              <a:t>2/26/2020</a:t>
             </a:fld>
             <a:endParaRPr lang="en-US"/>
           </a:p>
@@ -1232,7 +1234,7 @@
           <a:p>
             <a:fld id="{D683890E-4472-4958-AE87-37F5298C508C}" type="datetimeFigureOut">
               <a:rPr lang="en-US" smtClean="0"/>
-              <a:t>2/25/2020</a:t>
+              <a:t>2/26/2020</a:t>
             </a:fld>
             <a:endParaRPr lang="en-US"/>
           </a:p>
@@ -1596,7 +1598,7 @@
           <a:p>
             <a:fld id="{D683890E-4472-4958-AE87-37F5298C508C}" type="datetimeFigureOut">
               <a:rPr lang="en-US" smtClean="0"/>
-              <a:t>2/25/2020</a:t>
+              <a:t>2/26/2020</a:t>
             </a:fld>
             <a:endParaRPr lang="en-US"/>
           </a:p>
@@ -1713,7 +1715,7 @@
           <a:p>
             <a:fld id="{D683890E-4472-4958-AE87-37F5298C508C}" type="datetimeFigureOut">
               <a:rPr lang="en-US" smtClean="0"/>
-              <a:t>2/25/2020</a:t>
+              <a:t>2/26/2020</a:t>
             </a:fld>
             <a:endParaRPr lang="en-US"/>
           </a:p>
@@ -1808,7 +1810,7 @@
           <a:p>
             <a:fld id="{D683890E-4472-4958-AE87-37F5298C508C}" type="datetimeFigureOut">
               <a:rPr lang="en-US" smtClean="0"/>
-              <a:t>2/25/2020</a:t>
+              <a:t>2/26/2020</a:t>
             </a:fld>
             <a:endParaRPr lang="en-US"/>
           </a:p>
@@ -2083,7 +2085,7 @@
           <a:p>
             <a:fld id="{D683890E-4472-4958-AE87-37F5298C508C}" type="datetimeFigureOut">
               <a:rPr lang="en-US" smtClean="0"/>
-              <a:t>2/25/2020</a:t>
+              <a:t>2/26/2020</a:t>
             </a:fld>
             <a:endParaRPr lang="en-US"/>
           </a:p>
@@ -2335,7 +2337,7 @@
           <a:p>
             <a:fld id="{D683890E-4472-4958-AE87-37F5298C508C}" type="datetimeFigureOut">
               <a:rPr lang="en-US" smtClean="0"/>
-              <a:t>2/25/2020</a:t>
+              <a:t>2/26/2020</a:t>
             </a:fld>
             <a:endParaRPr lang="en-US"/>
           </a:p>
@@ -2546,7 +2548,7 @@
           <a:p>
             <a:fld id="{D683890E-4472-4958-AE87-37F5298C508C}" type="datetimeFigureOut">
               <a:rPr lang="en-US" smtClean="0"/>
-              <a:t>2/25/2020</a:t>
+              <a:t>2/26/2020</a:t>
             </a:fld>
             <a:endParaRPr lang="en-US"/>
           </a:p>
@@ -3143,23 +3145,7 @@
                   <a:srgbClr val="FF0000"/>
                 </a:solidFill>
               </a:rPr>
-              <a:t>Pivot </a:t>
-            </a:r>
-            <a:r>
-              <a:rPr lang="en-US" b="1" dirty="0" smtClean="0">
-                <a:solidFill>
-                  <a:srgbClr val="FF0000"/>
-                </a:solidFill>
-              </a:rPr>
-              <a:t>left - </a:t>
-            </a:r>
-            <a:r>
-              <a:rPr lang="en-US" b="1" dirty="0" smtClean="0">
-                <a:solidFill>
-                  <a:srgbClr val="FF0000"/>
-                </a:solidFill>
-              </a:rPr>
-              <a:t>Left front trigger</a:t>
+              <a:t>Pivot left - Left front trigger</a:t>
             </a:r>
             <a:endParaRPr lang="en-US" b="1" dirty="0">
               <a:solidFill>
@@ -3525,11 +3511,6 @@
               </a:rPr>
               <a:t>Deploy hook - Circle</a:t>
             </a:r>
-            <a:endParaRPr lang="en-US" b="1" dirty="0">
-              <a:solidFill>
-                <a:srgbClr val="00B0F0"/>
-              </a:solidFill>
-            </a:endParaRPr>
           </a:p>
         </p:txBody>
       </p:sp>
@@ -3975,15 +3956,7 @@
                   <a:srgbClr val="FF0000"/>
                 </a:solidFill>
               </a:rPr>
-              <a:t>stuck - </a:t>
-            </a:r>
-            <a:r>
-              <a:rPr lang="en-US" b="1" dirty="0" smtClean="0">
-                <a:solidFill>
-                  <a:srgbClr val="FF0000"/>
-                </a:solidFill>
-              </a:rPr>
-              <a:t>Left front trigger</a:t>
+              <a:t>stuck - Left front trigger</a:t>
             </a:r>
             <a:endParaRPr lang="en-US" b="1" dirty="0">
               <a:solidFill>
@@ -4180,45 +4153,8 @@
                   <a:srgbClr val="00B0F0"/>
                 </a:solidFill>
               </a:rPr>
-              <a:t>Climb </a:t>
-            </a:r>
-            <a:r>
-              <a:rPr lang="en-US" b="1" dirty="0">
-                <a:solidFill>
-                  <a:srgbClr val="00B0F0"/>
-                </a:solidFill>
-              </a:rPr>
-              <a:t>motor</a:t>
-            </a:r>
-            <a:r>
-              <a:rPr lang="en-US" b="1" dirty="0">
-                <a:solidFill>
-                  <a:srgbClr val="00B0F0"/>
-                </a:solidFill>
-              </a:rPr>
-              <a:t> - Left </a:t>
-            </a:r>
-            <a:r>
-              <a:rPr lang="en-US" b="1" dirty="0">
-                <a:solidFill>
-                  <a:srgbClr val="00B0F0"/>
-                </a:solidFill>
-              </a:rPr>
-              <a:t>Joystick </a:t>
-            </a:r>
-            <a:r>
-              <a:rPr lang="en-US" b="1" dirty="0">
-                <a:solidFill>
-                  <a:srgbClr val="00B0F0"/>
-                </a:solidFill>
-              </a:rPr>
-              <a:t>1</a:t>
-            </a:r>
-            <a:endParaRPr lang="en-US" b="1" dirty="0">
-              <a:solidFill>
-                <a:srgbClr val="00B0F0"/>
-              </a:solidFill>
-            </a:endParaRPr>
+              <a:t>Climb motor - Left Joystick 1</a:t>
+            </a:r>
           </a:p>
         </p:txBody>
       </p:sp>
@@ -4296,11 +4232,6 @@
               </a:rPr>
               <a:t>Circle</a:t>
             </a:r>
-            <a:endParaRPr lang="en-US" b="1" dirty="0">
-              <a:solidFill>
-                <a:srgbClr val="00B0F0"/>
-              </a:solidFill>
-            </a:endParaRPr>
           </a:p>
         </p:txBody>
       </p:sp>
@@ -4406,15 +4337,7 @@
                   <a:srgbClr val="FF0000"/>
                 </a:solidFill>
               </a:rPr>
-              <a:t>Intake / Lower arm </a:t>
-            </a:r>
-            <a:r>
-              <a:rPr lang="en-US" b="1" dirty="0" smtClean="0">
-                <a:solidFill>
-                  <a:srgbClr val="FF0000"/>
-                </a:solidFill>
-              </a:rPr>
-              <a:t>– </a:t>
+              <a:t>Intake / Lower arm – </a:t>
             </a:r>
           </a:p>
           <a:p>
@@ -4508,11 +4431,6 @@
               </a:rPr>
               <a:t>Right front button</a:t>
             </a:r>
-            <a:endParaRPr lang="en-US" b="1" dirty="0">
-              <a:solidFill>
-                <a:srgbClr val="FF0000"/>
-              </a:solidFill>
-            </a:endParaRPr>
           </a:p>
         </p:txBody>
       </p:sp>
@@ -4619,6 +4537,100 @@
                 </a:solidFill>
               </a:rPr>
               <a:t>Control Panel Color Match - Square</a:t>
+            </a:r>
+            <a:endParaRPr lang="en-US" b="1" dirty="0">
+              <a:solidFill>
+                <a:srgbClr val="FF0000"/>
+              </a:solidFill>
+            </a:endParaRPr>
+          </a:p>
+        </p:txBody>
+      </p:sp>
+      <p:cxnSp>
+        <p:nvCxnSpPr>
+          <p:cNvPr id="23" name="Straight Arrow Connector 22"/>
+          <p:cNvCxnSpPr/>
+          <p:nvPr/>
+        </p:nvCxnSpPr>
+        <p:spPr>
+          <a:xfrm>
+            <a:off x="2453389" y="4547939"/>
+            <a:ext cx="1867172" cy="0"/>
+          </a:xfrm>
+          <a:prstGeom prst="straightConnector1">
+            <a:avLst/>
+          </a:prstGeom>
+          <a:ln w="38100">
+            <a:solidFill>
+              <a:srgbClr val="FF0000"/>
+            </a:solidFill>
+            <a:tailEnd type="triangle"/>
+          </a:ln>
+        </p:spPr>
+        <p:style>
+          <a:lnRef idx="1">
+            <a:schemeClr val="accent1"/>
+          </a:lnRef>
+          <a:fillRef idx="0">
+            <a:schemeClr val="accent1"/>
+          </a:fillRef>
+          <a:effectRef idx="0">
+            <a:schemeClr val="accent1"/>
+          </a:effectRef>
+          <a:fontRef idx="minor">
+            <a:schemeClr val="tx1"/>
+          </a:fontRef>
+        </p:style>
+      </p:cxnSp>
+      <p:sp>
+        <p:nvSpPr>
+          <p:cNvPr id="25" name="TextBox 24"/>
+          <p:cNvSpPr txBox="1"/>
+          <p:nvPr/>
+        </p:nvSpPr>
+        <p:spPr>
+          <a:xfrm>
+            <a:off x="195381" y="4078961"/>
+            <a:ext cx="2919464" cy="923330"/>
+          </a:xfrm>
+          <a:prstGeom prst="rect">
+            <a:avLst/>
+          </a:prstGeom>
+          <a:noFill/>
+        </p:spPr>
+        <p:txBody>
+          <a:bodyPr wrap="square" rtlCol="0">
+            <a:spAutoFit/>
+          </a:bodyPr>
+          <a:lstStyle/>
+          <a:p>
+            <a:r>
+              <a:rPr lang="en-US" b="1" dirty="0" smtClean="0">
+                <a:solidFill>
+                  <a:srgbClr val="FF0000"/>
+                </a:solidFill>
+              </a:rPr>
+              <a:t>Left Joystick button </a:t>
+            </a:r>
+          </a:p>
+          <a:p>
+            <a:r>
+              <a:rPr lang="en-US" b="1" dirty="0" smtClean="0">
+                <a:solidFill>
+                  <a:srgbClr val="FF0000"/>
+                </a:solidFill>
+              </a:rPr>
+              <a:t>Push down for low</a:t>
+            </a:r>
+          </a:p>
+          <a:p>
+            <a:r>
+              <a:rPr lang="en-US" b="1" dirty="0" smtClean="0">
+                <a:solidFill>
+                  <a:srgbClr val="FF0000"/>
+                </a:solidFill>
+              </a:rPr>
+              <a:t>target</a:t>
             </a:r>
             <a:endParaRPr lang="en-US" b="1" dirty="0">
               <a:solidFill>
@@ -5524,6 +5536,1693 @@
     <p:extLst>
       <p:ext uri="{BB962C8B-B14F-4D97-AF65-F5344CB8AC3E}">
         <p14:creationId xmlns:p14="http://schemas.microsoft.com/office/powerpoint/2010/main" val="4251703058"/>
+      </p:ext>
+    </p:extLst>
+  </p:cSld>
+  <p:clrMapOvr>
+    <a:masterClrMapping/>
+  </p:clrMapOvr>
+</p:sld>
+</file>
+
+<file path=ppt/slides/slide5.xml><?xml version="1.0" encoding="utf-8"?>
+<p:sld xmlns:a="http://schemas.openxmlformats.org/drawingml/2006/main" xmlns:r="http://schemas.openxmlformats.org/officeDocument/2006/relationships" xmlns:p="http://schemas.openxmlformats.org/presentationml/2006/main">
+  <p:cSld>
+    <p:spTree>
+      <p:nvGrpSpPr>
+        <p:cNvPr id="1" name=""/>
+        <p:cNvGrpSpPr/>
+        <p:nvPr/>
+      </p:nvGrpSpPr>
+      <p:grpSpPr>
+        <a:xfrm>
+          <a:off x="0" y="0"/>
+          <a:ext cx="0" cy="0"/>
+          <a:chOff x="0" y="0"/>
+          <a:chExt cx="0" cy="0"/>
+        </a:xfrm>
+      </p:grpSpPr>
+      <p:grpSp>
+        <p:nvGrpSpPr>
+          <p:cNvPr id="3" name="Group 2"/>
+          <p:cNvGrpSpPr/>
+          <p:nvPr/>
+        </p:nvGrpSpPr>
+        <p:grpSpPr>
+          <a:xfrm>
+            <a:off x="0" y="-121298"/>
+            <a:ext cx="11817122" cy="6858000"/>
+            <a:chOff x="0" y="-121298"/>
+            <a:chExt cx="11817122" cy="6858000"/>
+          </a:xfrm>
+        </p:grpSpPr>
+        <p:pic>
+          <p:nvPicPr>
+            <p:cNvPr id="2" name="Picture 1"/>
+            <p:cNvPicPr>
+              <a:picLocks noChangeAspect="1"/>
+            </p:cNvPicPr>
+            <p:nvPr/>
+          </p:nvPicPr>
+          <p:blipFill>
+            <a:blip r:embed="rId2">
+              <a:extLst>
+                <a:ext uri="{28A0092B-C50C-407E-A947-70E740481C1C}">
+                  <a14:useLocalDpi xmlns:a14="http://schemas.microsoft.com/office/drawing/2010/main" val="0"/>
+                </a:ext>
+              </a:extLst>
+            </a:blip>
+            <a:stretch>
+              <a:fillRect/>
+            </a:stretch>
+          </p:blipFill>
+          <p:spPr>
+            <a:xfrm>
+              <a:off x="2648484" y="-121298"/>
+              <a:ext cx="6858000" cy="6858000"/>
+            </a:xfrm>
+            <a:prstGeom prst="rect">
+              <a:avLst/>
+            </a:prstGeom>
+          </p:spPr>
+        </p:pic>
+        <p:cxnSp>
+          <p:nvCxnSpPr>
+            <p:cNvPr id="6" name="Straight Arrow Connector 5"/>
+            <p:cNvCxnSpPr/>
+            <p:nvPr/>
+          </p:nvCxnSpPr>
+          <p:spPr>
+            <a:xfrm flipH="1">
+              <a:off x="7277878" y="3023118"/>
+              <a:ext cx="1548881" cy="569168"/>
+            </a:xfrm>
+            <a:prstGeom prst="straightConnector1">
+              <a:avLst/>
+            </a:prstGeom>
+            <a:ln w="38100">
+              <a:solidFill>
+                <a:srgbClr val="FF0000"/>
+              </a:solidFill>
+              <a:tailEnd type="triangle"/>
+            </a:ln>
+          </p:spPr>
+          <p:style>
+            <a:lnRef idx="1">
+              <a:schemeClr val="accent1"/>
+            </a:lnRef>
+            <a:fillRef idx="0">
+              <a:schemeClr val="accent1"/>
+            </a:fillRef>
+            <a:effectRef idx="0">
+              <a:schemeClr val="accent1"/>
+            </a:effectRef>
+            <a:fontRef idx="minor">
+              <a:schemeClr val="tx1"/>
+            </a:fontRef>
+          </p:style>
+        </p:cxnSp>
+        <p:sp>
+          <p:nvSpPr>
+            <p:cNvPr id="8" name="TextBox 7"/>
+            <p:cNvSpPr txBox="1"/>
+            <p:nvPr/>
+          </p:nvSpPr>
+          <p:spPr>
+            <a:xfrm>
+              <a:off x="8826759" y="2838452"/>
+              <a:ext cx="2916508" cy="369332"/>
+            </a:xfrm>
+            <a:prstGeom prst="rect">
+              <a:avLst/>
+            </a:prstGeom>
+            <a:noFill/>
+          </p:spPr>
+          <p:txBody>
+            <a:bodyPr wrap="square" rtlCol="0">
+              <a:spAutoFit/>
+            </a:bodyPr>
+            <a:lstStyle/>
+            <a:p>
+              <a:r>
+                <a:rPr lang="en-US" b="1" dirty="0" smtClean="0">
+                  <a:solidFill>
+                    <a:srgbClr val="FF0000"/>
+                  </a:solidFill>
+                </a:rPr>
+                <a:t>Limelight driving - Tringle</a:t>
+              </a:r>
+              <a:endParaRPr lang="en-US" b="1" dirty="0">
+                <a:solidFill>
+                  <a:srgbClr val="FF0000"/>
+                </a:solidFill>
+              </a:endParaRPr>
+            </a:p>
+          </p:txBody>
+        </p:sp>
+        <p:sp>
+          <p:nvSpPr>
+            <p:cNvPr id="9" name="TextBox 8"/>
+            <p:cNvSpPr txBox="1"/>
+            <p:nvPr/>
+          </p:nvSpPr>
+          <p:spPr>
+            <a:xfrm>
+              <a:off x="8826759" y="1827654"/>
+              <a:ext cx="2823374" cy="369332"/>
+            </a:xfrm>
+            <a:prstGeom prst="rect">
+              <a:avLst/>
+            </a:prstGeom>
+            <a:noFill/>
+          </p:spPr>
+          <p:txBody>
+            <a:bodyPr wrap="square" rtlCol="0">
+              <a:spAutoFit/>
+            </a:bodyPr>
+            <a:lstStyle/>
+            <a:p>
+              <a:r>
+                <a:rPr lang="en-US" b="1" dirty="0" smtClean="0">
+                  <a:solidFill>
+                    <a:srgbClr val="FF0000"/>
+                  </a:solidFill>
+                </a:rPr>
+                <a:t>Pivot left - Left front trigger</a:t>
+              </a:r>
+              <a:endParaRPr lang="en-US" b="1" dirty="0">
+                <a:solidFill>
+                  <a:srgbClr val="FF0000"/>
+                </a:solidFill>
+              </a:endParaRPr>
+            </a:p>
+          </p:txBody>
+        </p:sp>
+        <p:sp>
+          <p:nvSpPr>
+            <p:cNvPr id="11" name="TextBox 10"/>
+            <p:cNvSpPr txBox="1"/>
+            <p:nvPr/>
+          </p:nvSpPr>
+          <p:spPr>
+            <a:xfrm>
+              <a:off x="110067" y="1827654"/>
+              <a:ext cx="3146316" cy="369332"/>
+            </a:xfrm>
+            <a:prstGeom prst="rect">
+              <a:avLst/>
+            </a:prstGeom>
+            <a:noFill/>
+          </p:spPr>
+          <p:txBody>
+            <a:bodyPr wrap="square" rtlCol="0">
+              <a:spAutoFit/>
+            </a:bodyPr>
+            <a:lstStyle/>
+            <a:p>
+              <a:r>
+                <a:rPr lang="en-US" b="1" dirty="0" smtClean="0">
+                  <a:solidFill>
+                    <a:srgbClr val="FF0000"/>
+                  </a:solidFill>
+                </a:rPr>
+                <a:t>Right Pivot – Right front trigger</a:t>
+              </a:r>
+              <a:endParaRPr lang="en-US" b="1" dirty="0">
+                <a:solidFill>
+                  <a:srgbClr val="FF0000"/>
+                </a:solidFill>
+              </a:endParaRPr>
+            </a:p>
+          </p:txBody>
+        </p:sp>
+        <p:cxnSp>
+          <p:nvCxnSpPr>
+            <p:cNvPr id="12" name="Straight Arrow Connector 11"/>
+            <p:cNvCxnSpPr>
+              <a:stCxn id="9" idx="1"/>
+            </p:cNvCxnSpPr>
+            <p:nvPr/>
+          </p:nvCxnSpPr>
+          <p:spPr>
+            <a:xfrm flipH="1">
+              <a:off x="8052319" y="2012320"/>
+              <a:ext cx="774440" cy="22260"/>
+            </a:xfrm>
+            <a:prstGeom prst="straightConnector1">
+              <a:avLst/>
+            </a:prstGeom>
+            <a:ln w="38100">
+              <a:solidFill>
+                <a:srgbClr val="FF0000"/>
+              </a:solidFill>
+              <a:tailEnd type="triangle"/>
+            </a:ln>
+          </p:spPr>
+          <p:style>
+            <a:lnRef idx="1">
+              <a:schemeClr val="accent1"/>
+            </a:lnRef>
+            <a:fillRef idx="0">
+              <a:schemeClr val="accent1"/>
+            </a:fillRef>
+            <a:effectRef idx="0">
+              <a:schemeClr val="accent1"/>
+            </a:effectRef>
+            <a:fontRef idx="minor">
+              <a:schemeClr val="tx1"/>
+            </a:fontRef>
+          </p:style>
+        </p:cxnSp>
+        <p:cxnSp>
+          <p:nvCxnSpPr>
+            <p:cNvPr id="13" name="Straight Arrow Connector 12"/>
+            <p:cNvCxnSpPr/>
+            <p:nvPr/>
+          </p:nvCxnSpPr>
+          <p:spPr>
+            <a:xfrm flipH="1">
+              <a:off x="4415519" y="3592286"/>
+              <a:ext cx="455061" cy="1869614"/>
+            </a:xfrm>
+            <a:prstGeom prst="straightConnector1">
+              <a:avLst/>
+            </a:prstGeom>
+            <a:ln w="38100">
+              <a:solidFill>
+                <a:srgbClr val="FF0000"/>
+              </a:solidFill>
+              <a:headEnd type="triangle" w="med" len="med"/>
+              <a:tailEnd type="triangle" w="med" len="med"/>
+            </a:ln>
+          </p:spPr>
+          <p:style>
+            <a:lnRef idx="1">
+              <a:schemeClr val="accent1"/>
+            </a:lnRef>
+            <a:fillRef idx="0">
+              <a:schemeClr val="accent1"/>
+            </a:fillRef>
+            <a:effectRef idx="0">
+              <a:schemeClr val="accent1"/>
+            </a:effectRef>
+            <a:fontRef idx="minor">
+              <a:schemeClr val="tx1"/>
+            </a:fontRef>
+          </p:style>
+        </p:cxnSp>
+        <p:cxnSp>
+          <p:nvCxnSpPr>
+            <p:cNvPr id="14" name="Straight Arrow Connector 13"/>
+            <p:cNvCxnSpPr/>
+            <p:nvPr/>
+          </p:nvCxnSpPr>
+          <p:spPr>
+            <a:xfrm>
+              <a:off x="3328208" y="2034580"/>
+              <a:ext cx="920528" cy="20846"/>
+            </a:xfrm>
+            <a:prstGeom prst="straightConnector1">
+              <a:avLst/>
+            </a:prstGeom>
+            <a:ln w="38100">
+              <a:solidFill>
+                <a:srgbClr val="FF0000"/>
+              </a:solidFill>
+              <a:tailEnd type="triangle"/>
+            </a:ln>
+          </p:spPr>
+          <p:style>
+            <a:lnRef idx="1">
+              <a:schemeClr val="accent1"/>
+            </a:lnRef>
+            <a:fillRef idx="0">
+              <a:schemeClr val="accent1"/>
+            </a:fillRef>
+            <a:effectRef idx="0">
+              <a:schemeClr val="accent1"/>
+            </a:effectRef>
+            <a:fontRef idx="minor">
+              <a:schemeClr val="tx1"/>
+            </a:fontRef>
+          </p:style>
+        </p:cxnSp>
+        <p:cxnSp>
+          <p:nvCxnSpPr>
+            <p:cNvPr id="22" name="Straight Arrow Connector 21"/>
+            <p:cNvCxnSpPr/>
+            <p:nvPr/>
+          </p:nvCxnSpPr>
+          <p:spPr>
+            <a:xfrm flipH="1" flipV="1">
+              <a:off x="5215812" y="4527093"/>
+              <a:ext cx="2051181" cy="159607"/>
+            </a:xfrm>
+            <a:prstGeom prst="straightConnector1">
+              <a:avLst/>
+            </a:prstGeom>
+            <a:ln w="38100">
+              <a:solidFill>
+                <a:srgbClr val="FF0000"/>
+              </a:solidFill>
+              <a:headEnd type="triangle" w="med" len="med"/>
+              <a:tailEnd type="triangle" w="med" len="med"/>
+            </a:ln>
+          </p:spPr>
+          <p:style>
+            <a:lnRef idx="1">
+              <a:schemeClr val="accent1"/>
+            </a:lnRef>
+            <a:fillRef idx="0">
+              <a:schemeClr val="accent1"/>
+            </a:fillRef>
+            <a:effectRef idx="0">
+              <a:schemeClr val="accent1"/>
+            </a:effectRef>
+            <a:fontRef idx="minor">
+              <a:schemeClr val="tx1"/>
+            </a:fontRef>
+          </p:style>
+        </p:cxnSp>
+        <p:sp>
+          <p:nvSpPr>
+            <p:cNvPr id="25" name="TextBox 24"/>
+            <p:cNvSpPr txBox="1"/>
+            <p:nvPr/>
+          </p:nvSpPr>
+          <p:spPr>
+            <a:xfrm>
+              <a:off x="5564933" y="5218352"/>
+              <a:ext cx="2258008" cy="369332"/>
+            </a:xfrm>
+            <a:prstGeom prst="rect">
+              <a:avLst/>
+            </a:prstGeom>
+            <a:noFill/>
+          </p:spPr>
+          <p:txBody>
+            <a:bodyPr wrap="square" rtlCol="0">
+              <a:spAutoFit/>
+            </a:bodyPr>
+            <a:lstStyle/>
+            <a:p>
+              <a:r>
+                <a:rPr lang="en-US" b="1" dirty="0">
+                  <a:solidFill>
+                    <a:srgbClr val="FF0000"/>
+                  </a:solidFill>
+                </a:rPr>
+                <a:t>Right Joystick 2 Turn</a:t>
+              </a:r>
+            </a:p>
+          </p:txBody>
+        </p:sp>
+        <p:sp>
+          <p:nvSpPr>
+            <p:cNvPr id="26" name="TextBox 25"/>
+            <p:cNvSpPr txBox="1"/>
+            <p:nvPr/>
+          </p:nvSpPr>
+          <p:spPr>
+            <a:xfrm>
+              <a:off x="2986963" y="5577739"/>
+              <a:ext cx="2258008" cy="369332"/>
+            </a:xfrm>
+            <a:prstGeom prst="rect">
+              <a:avLst/>
+            </a:prstGeom>
+            <a:noFill/>
+          </p:spPr>
+          <p:txBody>
+            <a:bodyPr wrap="square" rtlCol="0">
+              <a:spAutoFit/>
+            </a:bodyPr>
+            <a:lstStyle/>
+            <a:p>
+              <a:r>
+                <a:rPr lang="en-US" b="1" dirty="0">
+                  <a:solidFill>
+                    <a:srgbClr val="FF0000"/>
+                  </a:solidFill>
+                </a:rPr>
+                <a:t>Left Joystick 1 Speed</a:t>
+              </a:r>
+            </a:p>
+          </p:txBody>
+        </p:sp>
+        <p:sp>
+          <p:nvSpPr>
+            <p:cNvPr id="27" name="TextBox 26"/>
+            <p:cNvSpPr txBox="1"/>
+            <p:nvPr/>
+          </p:nvSpPr>
+          <p:spPr>
+            <a:xfrm>
+              <a:off x="579665" y="359829"/>
+              <a:ext cx="2258008" cy="584775"/>
+            </a:xfrm>
+            <a:prstGeom prst="rect">
+              <a:avLst/>
+            </a:prstGeom>
+            <a:noFill/>
+          </p:spPr>
+          <p:txBody>
+            <a:bodyPr wrap="square" rtlCol="0">
+              <a:spAutoFit/>
+            </a:bodyPr>
+            <a:lstStyle/>
+            <a:p>
+              <a:r>
+                <a:rPr lang="en-US" sz="3200" b="1" dirty="0" smtClean="0">
+                  <a:solidFill>
+                    <a:srgbClr val="FF0000"/>
+                  </a:solidFill>
+                </a:rPr>
+                <a:t>DRIVER</a:t>
+              </a:r>
+              <a:endParaRPr lang="en-US" sz="3200" b="1" dirty="0">
+                <a:solidFill>
+                  <a:srgbClr val="FF0000"/>
+                </a:solidFill>
+              </a:endParaRPr>
+            </a:p>
+          </p:txBody>
+        </p:sp>
+        <p:cxnSp>
+          <p:nvCxnSpPr>
+            <p:cNvPr id="15" name="Straight Arrow Connector 14"/>
+            <p:cNvCxnSpPr/>
+            <p:nvPr/>
+          </p:nvCxnSpPr>
+          <p:spPr>
+            <a:xfrm flipH="1">
+              <a:off x="7514643" y="3601739"/>
+              <a:ext cx="1548881" cy="569168"/>
+            </a:xfrm>
+            <a:prstGeom prst="straightConnector1">
+              <a:avLst/>
+            </a:prstGeom>
+            <a:ln w="38100">
+              <a:solidFill>
+                <a:srgbClr val="FF0000"/>
+              </a:solidFill>
+              <a:tailEnd type="triangle"/>
+            </a:ln>
+          </p:spPr>
+          <p:style>
+            <a:lnRef idx="1">
+              <a:schemeClr val="accent1"/>
+            </a:lnRef>
+            <a:fillRef idx="0">
+              <a:schemeClr val="accent1"/>
+            </a:fillRef>
+            <a:effectRef idx="0">
+              <a:schemeClr val="accent1"/>
+            </a:effectRef>
+            <a:fontRef idx="minor">
+              <a:schemeClr val="tx1"/>
+            </a:fontRef>
+          </p:style>
+        </p:cxnSp>
+        <p:sp>
+          <p:nvSpPr>
+            <p:cNvPr id="16" name="TextBox 15"/>
+            <p:cNvSpPr txBox="1"/>
+            <p:nvPr/>
+          </p:nvSpPr>
+          <p:spPr>
+            <a:xfrm>
+              <a:off x="9015511" y="3370104"/>
+              <a:ext cx="2258008" cy="369332"/>
+            </a:xfrm>
+            <a:prstGeom prst="rect">
+              <a:avLst/>
+            </a:prstGeom>
+            <a:noFill/>
+          </p:spPr>
+          <p:txBody>
+            <a:bodyPr wrap="square" rtlCol="0">
+              <a:spAutoFit/>
+            </a:bodyPr>
+            <a:lstStyle/>
+            <a:p>
+              <a:r>
+                <a:rPr lang="en-US" b="1" dirty="0">
+                  <a:solidFill>
+                    <a:srgbClr val="00B0F0"/>
+                  </a:solidFill>
+                </a:rPr>
+                <a:t>Deploy hook - Circle</a:t>
+              </a:r>
+            </a:p>
+          </p:txBody>
+        </p:sp>
+        <p:cxnSp>
+          <p:nvCxnSpPr>
+            <p:cNvPr id="17" name="Straight Arrow Connector 16"/>
+            <p:cNvCxnSpPr/>
+            <p:nvPr/>
+          </p:nvCxnSpPr>
+          <p:spPr>
+            <a:xfrm flipH="1">
+              <a:off x="7008652" y="4527093"/>
+              <a:ext cx="1618470" cy="0"/>
+            </a:xfrm>
+            <a:prstGeom prst="straightConnector1">
+              <a:avLst/>
+            </a:prstGeom>
+            <a:ln w="38100">
+              <a:solidFill>
+                <a:srgbClr val="FF0000"/>
+              </a:solidFill>
+              <a:tailEnd type="triangle"/>
+            </a:ln>
+          </p:spPr>
+          <p:style>
+            <a:lnRef idx="1">
+              <a:schemeClr val="accent1"/>
+            </a:lnRef>
+            <a:fillRef idx="0">
+              <a:schemeClr val="accent1"/>
+            </a:fillRef>
+            <a:effectRef idx="0">
+              <a:schemeClr val="accent1"/>
+            </a:effectRef>
+            <a:fontRef idx="minor">
+              <a:schemeClr val="tx1"/>
+            </a:fontRef>
+          </p:style>
+        </p:cxnSp>
+        <p:sp>
+          <p:nvSpPr>
+            <p:cNvPr id="18" name="TextBox 17"/>
+            <p:cNvSpPr txBox="1"/>
+            <p:nvPr/>
+          </p:nvSpPr>
+          <p:spPr>
+            <a:xfrm>
+              <a:off x="8638592" y="4328259"/>
+              <a:ext cx="2258008" cy="369332"/>
+            </a:xfrm>
+            <a:prstGeom prst="rect">
+              <a:avLst/>
+            </a:prstGeom>
+            <a:noFill/>
+          </p:spPr>
+          <p:txBody>
+            <a:bodyPr wrap="square" rtlCol="0">
+              <a:spAutoFit/>
+            </a:bodyPr>
+            <a:lstStyle/>
+            <a:p>
+              <a:r>
+                <a:rPr lang="en-US" b="1" dirty="0" smtClean="0">
+                  <a:solidFill>
+                    <a:srgbClr val="FF0000"/>
+                  </a:solidFill>
+                </a:rPr>
+                <a:t>Intake Arm up – X </a:t>
+              </a:r>
+              <a:endParaRPr lang="en-US" b="1" dirty="0">
+                <a:solidFill>
+                  <a:srgbClr val="FF0000"/>
+                </a:solidFill>
+              </a:endParaRPr>
+            </a:p>
+          </p:txBody>
+        </p:sp>
+        <p:sp>
+          <p:nvSpPr>
+            <p:cNvPr id="20" name="TextBox 19"/>
+            <p:cNvSpPr txBox="1"/>
+            <p:nvPr/>
+          </p:nvSpPr>
+          <p:spPr>
+            <a:xfrm>
+              <a:off x="8826759" y="562117"/>
+              <a:ext cx="2990363" cy="646331"/>
+            </a:xfrm>
+            <a:prstGeom prst="rect">
+              <a:avLst/>
+            </a:prstGeom>
+            <a:noFill/>
+          </p:spPr>
+          <p:txBody>
+            <a:bodyPr wrap="square" rtlCol="0">
+              <a:spAutoFit/>
+            </a:bodyPr>
+            <a:lstStyle/>
+            <a:p>
+              <a:r>
+                <a:rPr lang="en-US" b="1" dirty="0" smtClean="0">
+                  <a:solidFill>
+                    <a:srgbClr val="FF0000"/>
+                  </a:solidFill>
+                </a:rPr>
+                <a:t>Retract hook, lift robot – </a:t>
+              </a:r>
+            </a:p>
+            <a:p>
+              <a:r>
+                <a:rPr lang="en-US" b="1" dirty="0" smtClean="0">
+                  <a:solidFill>
+                    <a:srgbClr val="FF0000"/>
+                  </a:solidFill>
+                </a:rPr>
+                <a:t>Left Front Button</a:t>
+              </a:r>
+              <a:endParaRPr lang="en-US" b="1" dirty="0">
+                <a:solidFill>
+                  <a:srgbClr val="FF0000"/>
+                </a:solidFill>
+              </a:endParaRPr>
+            </a:p>
+          </p:txBody>
+        </p:sp>
+        <p:cxnSp>
+          <p:nvCxnSpPr>
+            <p:cNvPr id="21" name="Straight Arrow Connector 20"/>
+            <p:cNvCxnSpPr/>
+            <p:nvPr/>
+          </p:nvCxnSpPr>
+          <p:spPr>
+            <a:xfrm flipH="1">
+              <a:off x="8052321" y="1136396"/>
+              <a:ext cx="880012" cy="201506"/>
+            </a:xfrm>
+            <a:prstGeom prst="straightConnector1">
+              <a:avLst/>
+            </a:prstGeom>
+            <a:ln w="38100">
+              <a:solidFill>
+                <a:srgbClr val="FF0000"/>
+              </a:solidFill>
+              <a:tailEnd type="triangle"/>
+            </a:ln>
+          </p:spPr>
+          <p:style>
+            <a:lnRef idx="1">
+              <a:schemeClr val="accent1"/>
+            </a:lnRef>
+            <a:fillRef idx="0">
+              <a:schemeClr val="accent1"/>
+            </a:fillRef>
+            <a:effectRef idx="0">
+              <a:schemeClr val="accent1"/>
+            </a:effectRef>
+            <a:fontRef idx="minor">
+              <a:schemeClr val="tx1"/>
+            </a:fontRef>
+          </p:style>
+        </p:cxnSp>
+        <p:sp>
+          <p:nvSpPr>
+            <p:cNvPr id="23" name="TextBox 22"/>
+            <p:cNvSpPr txBox="1"/>
+            <p:nvPr/>
+          </p:nvSpPr>
+          <p:spPr>
+            <a:xfrm>
+              <a:off x="0" y="1122373"/>
+              <a:ext cx="3328208" cy="369332"/>
+            </a:xfrm>
+            <a:prstGeom prst="rect">
+              <a:avLst/>
+            </a:prstGeom>
+            <a:noFill/>
+          </p:spPr>
+          <p:txBody>
+            <a:bodyPr wrap="square" rtlCol="0">
+              <a:spAutoFit/>
+            </a:bodyPr>
+            <a:lstStyle/>
+            <a:p>
+              <a:r>
+                <a:rPr lang="en-US" b="1" dirty="0" smtClean="0">
+                  <a:solidFill>
+                    <a:srgbClr val="00B0F0"/>
+                  </a:solidFill>
+                </a:rPr>
+                <a:t>Deploy hook – Right front button</a:t>
+              </a:r>
+              <a:endParaRPr lang="en-US" b="1" dirty="0">
+                <a:solidFill>
+                  <a:srgbClr val="00B0F0"/>
+                </a:solidFill>
+              </a:endParaRPr>
+            </a:p>
+          </p:txBody>
+        </p:sp>
+        <p:cxnSp>
+          <p:nvCxnSpPr>
+            <p:cNvPr id="24" name="Straight Arrow Connector 23"/>
+            <p:cNvCxnSpPr>
+              <a:stCxn id="23" idx="3"/>
+            </p:cNvCxnSpPr>
+            <p:nvPr/>
+          </p:nvCxnSpPr>
+          <p:spPr>
+            <a:xfrm>
+              <a:off x="3328208" y="1307039"/>
+              <a:ext cx="992353" cy="43106"/>
+            </a:xfrm>
+            <a:prstGeom prst="straightConnector1">
+              <a:avLst/>
+            </a:prstGeom>
+            <a:ln w="38100">
+              <a:solidFill>
+                <a:srgbClr val="FF0000"/>
+              </a:solidFill>
+              <a:tailEnd type="triangle"/>
+            </a:ln>
+          </p:spPr>
+          <p:style>
+            <a:lnRef idx="1">
+              <a:schemeClr val="accent1"/>
+            </a:lnRef>
+            <a:fillRef idx="0">
+              <a:schemeClr val="accent1"/>
+            </a:fillRef>
+            <a:effectRef idx="0">
+              <a:schemeClr val="accent1"/>
+            </a:effectRef>
+            <a:fontRef idx="minor">
+              <a:schemeClr val="tx1"/>
+            </a:fontRef>
+          </p:style>
+        </p:cxnSp>
+      </p:grpSp>
+    </p:spTree>
+    <p:extLst>
+      <p:ext uri="{BB962C8B-B14F-4D97-AF65-F5344CB8AC3E}">
+        <p14:creationId xmlns:p14="http://schemas.microsoft.com/office/powerpoint/2010/main" val="28096803"/>
+      </p:ext>
+    </p:extLst>
+  </p:cSld>
+  <p:clrMapOvr>
+    <a:masterClrMapping/>
+  </p:clrMapOvr>
+</p:sld>
+</file>
+
+<file path=ppt/slides/slide6.xml><?xml version="1.0" encoding="utf-8"?>
+<p:sld xmlns:a="http://schemas.openxmlformats.org/drawingml/2006/main" xmlns:r="http://schemas.openxmlformats.org/officeDocument/2006/relationships" xmlns:p="http://schemas.openxmlformats.org/presentationml/2006/main">
+  <p:cSld>
+    <p:spTree>
+      <p:nvGrpSpPr>
+        <p:cNvPr id="1" name=""/>
+        <p:cNvGrpSpPr/>
+        <p:nvPr/>
+      </p:nvGrpSpPr>
+      <p:grpSpPr>
+        <a:xfrm>
+          <a:off x="0" y="0"/>
+          <a:ext cx="0" cy="0"/>
+          <a:chOff x="0" y="0"/>
+          <a:chExt cx="0" cy="0"/>
+        </a:xfrm>
+      </p:grpSpPr>
+      <p:grpSp>
+        <p:nvGrpSpPr>
+          <p:cNvPr id="3" name="Group 2"/>
+          <p:cNvGrpSpPr/>
+          <p:nvPr/>
+        </p:nvGrpSpPr>
+        <p:grpSpPr>
+          <a:xfrm>
+            <a:off x="110067" y="0"/>
+            <a:ext cx="12005732" cy="6858000"/>
+            <a:chOff x="110067" y="0"/>
+            <a:chExt cx="12005732" cy="6858000"/>
+          </a:xfrm>
+        </p:grpSpPr>
+        <p:pic>
+          <p:nvPicPr>
+            <p:cNvPr id="2" name="Picture 1"/>
+            <p:cNvPicPr>
+              <a:picLocks noChangeAspect="1"/>
+            </p:cNvPicPr>
+            <p:nvPr/>
+          </p:nvPicPr>
+          <p:blipFill>
+            <a:blip r:embed="rId2">
+              <a:extLst>
+                <a:ext uri="{28A0092B-C50C-407E-A947-70E740481C1C}">
+                  <a14:useLocalDpi xmlns:a14="http://schemas.microsoft.com/office/drawing/2010/main" val="0"/>
+                </a:ext>
+              </a:extLst>
+            </a:blip>
+            <a:stretch>
+              <a:fillRect/>
+            </a:stretch>
+          </p:blipFill>
+          <p:spPr>
+            <a:xfrm>
+              <a:off x="2683933" y="0"/>
+              <a:ext cx="6858000" cy="6858000"/>
+            </a:xfrm>
+            <a:prstGeom prst="rect">
+              <a:avLst/>
+            </a:prstGeom>
+          </p:spPr>
+        </p:pic>
+        <p:sp>
+          <p:nvSpPr>
+            <p:cNvPr id="32" name="TextBox 31"/>
+            <p:cNvSpPr txBox="1"/>
+            <p:nvPr/>
+          </p:nvSpPr>
+          <p:spPr>
+            <a:xfrm>
+              <a:off x="195381" y="280738"/>
+              <a:ext cx="2258008" cy="584775"/>
+            </a:xfrm>
+            <a:prstGeom prst="rect">
+              <a:avLst/>
+            </a:prstGeom>
+            <a:noFill/>
+          </p:spPr>
+          <p:txBody>
+            <a:bodyPr wrap="square" rtlCol="0">
+              <a:spAutoFit/>
+            </a:bodyPr>
+            <a:lstStyle/>
+            <a:p>
+              <a:r>
+                <a:rPr lang="en-US" sz="3200" b="1" dirty="0" smtClean="0">
+                  <a:solidFill>
+                    <a:srgbClr val="FF0000"/>
+                  </a:solidFill>
+                </a:rPr>
+                <a:t>OPERATOR</a:t>
+              </a:r>
+              <a:endParaRPr lang="en-US" sz="3200" b="1" dirty="0">
+                <a:solidFill>
+                  <a:srgbClr val="FF0000"/>
+                </a:solidFill>
+              </a:endParaRPr>
+            </a:p>
+          </p:txBody>
+        </p:sp>
+        <p:cxnSp>
+          <p:nvCxnSpPr>
+            <p:cNvPr id="27" name="Straight Arrow Connector 26"/>
+            <p:cNvCxnSpPr/>
+            <p:nvPr/>
+          </p:nvCxnSpPr>
+          <p:spPr>
+            <a:xfrm flipH="1">
+              <a:off x="7277878" y="3023118"/>
+              <a:ext cx="1548881" cy="569168"/>
+            </a:xfrm>
+            <a:prstGeom prst="straightConnector1">
+              <a:avLst/>
+            </a:prstGeom>
+            <a:ln w="38100">
+              <a:solidFill>
+                <a:srgbClr val="FF0000"/>
+              </a:solidFill>
+              <a:tailEnd type="triangle"/>
+            </a:ln>
+          </p:spPr>
+          <p:style>
+            <a:lnRef idx="1">
+              <a:schemeClr val="accent1"/>
+            </a:lnRef>
+            <a:fillRef idx="0">
+              <a:schemeClr val="accent1"/>
+            </a:fillRef>
+            <a:effectRef idx="0">
+              <a:schemeClr val="accent1"/>
+            </a:effectRef>
+            <a:fontRef idx="minor">
+              <a:schemeClr val="tx1"/>
+            </a:fontRef>
+          </p:style>
+        </p:cxnSp>
+        <p:sp>
+          <p:nvSpPr>
+            <p:cNvPr id="29" name="TextBox 28"/>
+            <p:cNvSpPr txBox="1"/>
+            <p:nvPr/>
+          </p:nvSpPr>
+          <p:spPr>
+            <a:xfrm>
+              <a:off x="8826758" y="2838452"/>
+              <a:ext cx="3060441" cy="369332"/>
+            </a:xfrm>
+            <a:prstGeom prst="rect">
+              <a:avLst/>
+            </a:prstGeom>
+            <a:noFill/>
+          </p:spPr>
+          <p:txBody>
+            <a:bodyPr wrap="square" rtlCol="0">
+              <a:spAutoFit/>
+            </a:bodyPr>
+            <a:lstStyle/>
+            <a:p>
+              <a:r>
+                <a:rPr lang="en-US" b="1" dirty="0" smtClean="0">
+                  <a:solidFill>
+                    <a:srgbClr val="FF0000"/>
+                  </a:solidFill>
+                </a:rPr>
+                <a:t>Control Panel 3 turns - Tringle</a:t>
+              </a:r>
+              <a:endParaRPr lang="en-US" b="1" dirty="0">
+                <a:solidFill>
+                  <a:srgbClr val="FF0000"/>
+                </a:solidFill>
+              </a:endParaRPr>
+            </a:p>
+          </p:txBody>
+        </p:sp>
+        <p:sp>
+          <p:nvSpPr>
+            <p:cNvPr id="33" name="TextBox 32"/>
+            <p:cNvSpPr txBox="1"/>
+            <p:nvPr/>
+          </p:nvSpPr>
+          <p:spPr>
+            <a:xfrm>
+              <a:off x="8826759" y="1827654"/>
+              <a:ext cx="3289040" cy="369332"/>
+            </a:xfrm>
+            <a:prstGeom prst="rect">
+              <a:avLst/>
+            </a:prstGeom>
+            <a:noFill/>
+          </p:spPr>
+          <p:txBody>
+            <a:bodyPr wrap="square" rtlCol="0">
+              <a:spAutoFit/>
+            </a:bodyPr>
+            <a:lstStyle/>
+            <a:p>
+              <a:r>
+                <a:rPr lang="en-US" b="1" dirty="0">
+                  <a:solidFill>
+                    <a:srgbClr val="FF0000"/>
+                  </a:solidFill>
+                </a:rPr>
+                <a:t>Transfer </a:t>
+              </a:r>
+              <a:r>
+                <a:rPr lang="en-US" b="1" dirty="0" smtClean="0">
+                  <a:solidFill>
+                    <a:srgbClr val="FF0000"/>
+                  </a:solidFill>
+                </a:rPr>
+                <a:t>stuck - Left front trigger</a:t>
+              </a:r>
+              <a:endParaRPr lang="en-US" b="1" dirty="0">
+                <a:solidFill>
+                  <a:srgbClr val="FF0000"/>
+                </a:solidFill>
+              </a:endParaRPr>
+            </a:p>
+          </p:txBody>
+        </p:sp>
+        <p:sp>
+          <p:nvSpPr>
+            <p:cNvPr id="34" name="TextBox 33"/>
+            <p:cNvSpPr txBox="1"/>
+            <p:nvPr/>
+          </p:nvSpPr>
+          <p:spPr>
+            <a:xfrm>
+              <a:off x="110067" y="1827654"/>
+              <a:ext cx="3146316" cy="646331"/>
+            </a:xfrm>
+            <a:prstGeom prst="rect">
+              <a:avLst/>
+            </a:prstGeom>
+            <a:noFill/>
+          </p:spPr>
+          <p:txBody>
+            <a:bodyPr wrap="square" rtlCol="0">
+              <a:spAutoFit/>
+            </a:bodyPr>
+            <a:lstStyle/>
+            <a:p>
+              <a:r>
+                <a:rPr lang="en-US" b="1" dirty="0" smtClean="0">
+                  <a:solidFill>
+                    <a:srgbClr val="FF0000"/>
+                  </a:solidFill>
+                </a:rPr>
+                <a:t>Transfer to shooter – </a:t>
+              </a:r>
+            </a:p>
+            <a:p>
+              <a:r>
+                <a:rPr lang="en-US" b="1" dirty="0" smtClean="0">
+                  <a:solidFill>
+                    <a:srgbClr val="FF0000"/>
+                  </a:solidFill>
+                </a:rPr>
+                <a:t>Right front trigger</a:t>
+              </a:r>
+              <a:endParaRPr lang="en-US" b="1" dirty="0">
+                <a:solidFill>
+                  <a:srgbClr val="FF0000"/>
+                </a:solidFill>
+              </a:endParaRPr>
+            </a:p>
+          </p:txBody>
+        </p:sp>
+        <p:cxnSp>
+          <p:nvCxnSpPr>
+            <p:cNvPr id="35" name="Straight Arrow Connector 34"/>
+            <p:cNvCxnSpPr>
+              <a:stCxn id="33" idx="1"/>
+            </p:cNvCxnSpPr>
+            <p:nvPr/>
+          </p:nvCxnSpPr>
+          <p:spPr>
+            <a:xfrm flipH="1">
+              <a:off x="8052319" y="2012320"/>
+              <a:ext cx="774440" cy="22260"/>
+            </a:xfrm>
+            <a:prstGeom prst="straightConnector1">
+              <a:avLst/>
+            </a:prstGeom>
+            <a:ln w="38100">
+              <a:solidFill>
+                <a:srgbClr val="FF0000"/>
+              </a:solidFill>
+              <a:tailEnd type="triangle"/>
+            </a:ln>
+          </p:spPr>
+          <p:style>
+            <a:lnRef idx="1">
+              <a:schemeClr val="accent1"/>
+            </a:lnRef>
+            <a:fillRef idx="0">
+              <a:schemeClr val="accent1"/>
+            </a:fillRef>
+            <a:effectRef idx="0">
+              <a:schemeClr val="accent1"/>
+            </a:effectRef>
+            <a:fontRef idx="minor">
+              <a:schemeClr val="tx1"/>
+            </a:fontRef>
+          </p:style>
+        </p:cxnSp>
+        <p:cxnSp>
+          <p:nvCxnSpPr>
+            <p:cNvPr id="36" name="Straight Arrow Connector 35"/>
+            <p:cNvCxnSpPr/>
+            <p:nvPr/>
+          </p:nvCxnSpPr>
+          <p:spPr>
+            <a:xfrm flipH="1">
+              <a:off x="4210266" y="3751893"/>
+              <a:ext cx="790446" cy="2606574"/>
+            </a:xfrm>
+            <a:prstGeom prst="straightConnector1">
+              <a:avLst/>
+            </a:prstGeom>
+            <a:ln w="38100">
+              <a:solidFill>
+                <a:srgbClr val="FF0000"/>
+              </a:solidFill>
+              <a:headEnd type="triangle" w="med" len="med"/>
+              <a:tailEnd type="triangle" w="med" len="med"/>
+            </a:ln>
+          </p:spPr>
+          <p:style>
+            <a:lnRef idx="1">
+              <a:schemeClr val="accent1"/>
+            </a:lnRef>
+            <a:fillRef idx="0">
+              <a:schemeClr val="accent1"/>
+            </a:fillRef>
+            <a:effectRef idx="0">
+              <a:schemeClr val="accent1"/>
+            </a:effectRef>
+            <a:fontRef idx="minor">
+              <a:schemeClr val="tx1"/>
+            </a:fontRef>
+          </p:style>
+        </p:cxnSp>
+        <p:cxnSp>
+          <p:nvCxnSpPr>
+            <p:cNvPr id="37" name="Straight Arrow Connector 36"/>
+            <p:cNvCxnSpPr/>
+            <p:nvPr/>
+          </p:nvCxnSpPr>
+          <p:spPr>
+            <a:xfrm>
+              <a:off x="3328208" y="2034580"/>
+              <a:ext cx="920528" cy="20846"/>
+            </a:xfrm>
+            <a:prstGeom prst="straightConnector1">
+              <a:avLst/>
+            </a:prstGeom>
+            <a:ln w="38100">
+              <a:solidFill>
+                <a:srgbClr val="FF0000"/>
+              </a:solidFill>
+              <a:tailEnd type="triangle"/>
+            </a:ln>
+          </p:spPr>
+          <p:style>
+            <a:lnRef idx="1">
+              <a:schemeClr val="accent1"/>
+            </a:lnRef>
+            <a:fillRef idx="0">
+              <a:schemeClr val="accent1"/>
+            </a:fillRef>
+            <a:effectRef idx="0">
+              <a:schemeClr val="accent1"/>
+            </a:effectRef>
+            <a:fontRef idx="minor">
+              <a:schemeClr val="tx1"/>
+            </a:fontRef>
+          </p:style>
+        </p:cxnSp>
+        <p:sp>
+          <p:nvSpPr>
+            <p:cNvPr id="40" name="TextBox 39"/>
+            <p:cNvSpPr txBox="1"/>
+            <p:nvPr/>
+          </p:nvSpPr>
+          <p:spPr>
+            <a:xfrm>
+              <a:off x="1210733" y="6173801"/>
+              <a:ext cx="2982352" cy="369332"/>
+            </a:xfrm>
+            <a:prstGeom prst="rect">
+              <a:avLst/>
+            </a:prstGeom>
+            <a:noFill/>
+          </p:spPr>
+          <p:txBody>
+            <a:bodyPr wrap="square" rtlCol="0">
+              <a:spAutoFit/>
+            </a:bodyPr>
+            <a:lstStyle/>
+            <a:p>
+              <a:r>
+                <a:rPr lang="en-US" b="1" dirty="0">
+                  <a:solidFill>
+                    <a:srgbClr val="00B0F0"/>
+                  </a:solidFill>
+                </a:rPr>
+                <a:t>Climb motor - Left Joystick 1</a:t>
+              </a:r>
+            </a:p>
+          </p:txBody>
+        </p:sp>
+        <p:cxnSp>
+          <p:nvCxnSpPr>
+            <p:cNvPr id="41" name="Straight Arrow Connector 40"/>
+            <p:cNvCxnSpPr/>
+            <p:nvPr/>
+          </p:nvCxnSpPr>
+          <p:spPr>
+            <a:xfrm flipH="1">
+              <a:off x="7699981" y="3429406"/>
+              <a:ext cx="1548881" cy="569168"/>
+            </a:xfrm>
+            <a:prstGeom prst="straightConnector1">
+              <a:avLst/>
+            </a:prstGeom>
+            <a:ln w="38100">
+              <a:solidFill>
+                <a:srgbClr val="FF0000"/>
+              </a:solidFill>
+              <a:tailEnd type="triangle"/>
+            </a:ln>
+          </p:spPr>
+          <p:style>
+            <a:lnRef idx="1">
+              <a:schemeClr val="accent1"/>
+            </a:lnRef>
+            <a:fillRef idx="0">
+              <a:schemeClr val="accent1"/>
+            </a:fillRef>
+            <a:effectRef idx="0">
+              <a:schemeClr val="accent1"/>
+            </a:effectRef>
+            <a:fontRef idx="minor">
+              <a:schemeClr val="tx1"/>
+            </a:fontRef>
+          </p:style>
+        </p:cxnSp>
+        <p:sp>
+          <p:nvSpPr>
+            <p:cNvPr id="42" name="TextBox 41"/>
+            <p:cNvSpPr txBox="1"/>
+            <p:nvPr/>
+          </p:nvSpPr>
+          <p:spPr>
+            <a:xfrm>
+              <a:off x="9268020" y="3263896"/>
+              <a:ext cx="2258008" cy="369332"/>
+            </a:xfrm>
+            <a:prstGeom prst="rect">
+              <a:avLst/>
+            </a:prstGeom>
+            <a:noFill/>
+          </p:spPr>
+          <p:txBody>
+            <a:bodyPr wrap="square" rtlCol="0">
+              <a:spAutoFit/>
+            </a:bodyPr>
+            <a:lstStyle/>
+            <a:p>
+              <a:r>
+                <a:rPr lang="en-US" b="1" dirty="0" smtClean="0">
+                  <a:solidFill>
+                    <a:srgbClr val="00B0F0"/>
+                  </a:solidFill>
+                </a:rPr>
+                <a:t>Climb motor- </a:t>
+              </a:r>
+              <a:r>
+                <a:rPr lang="en-US" b="1" dirty="0">
+                  <a:solidFill>
+                    <a:srgbClr val="00B0F0"/>
+                  </a:solidFill>
+                </a:rPr>
+                <a:t>Circle</a:t>
+              </a:r>
+            </a:p>
+          </p:txBody>
+        </p:sp>
+        <p:cxnSp>
+          <p:nvCxnSpPr>
+            <p:cNvPr id="43" name="Straight Arrow Connector 42"/>
+            <p:cNvCxnSpPr/>
+            <p:nvPr/>
+          </p:nvCxnSpPr>
+          <p:spPr>
+            <a:xfrm flipH="1" flipV="1">
+              <a:off x="7008652" y="4527093"/>
+              <a:ext cx="1818106" cy="528087"/>
+            </a:xfrm>
+            <a:prstGeom prst="straightConnector1">
+              <a:avLst/>
+            </a:prstGeom>
+            <a:ln w="38100">
+              <a:solidFill>
+                <a:srgbClr val="FF0000"/>
+              </a:solidFill>
+              <a:tailEnd type="triangle"/>
+            </a:ln>
+          </p:spPr>
+          <p:style>
+            <a:lnRef idx="1">
+              <a:schemeClr val="accent1"/>
+            </a:lnRef>
+            <a:fillRef idx="0">
+              <a:schemeClr val="accent1"/>
+            </a:fillRef>
+            <a:effectRef idx="0">
+              <a:schemeClr val="accent1"/>
+            </a:effectRef>
+            <a:fontRef idx="minor">
+              <a:schemeClr val="tx1"/>
+            </a:fontRef>
+          </p:style>
+        </p:cxnSp>
+        <p:sp>
+          <p:nvSpPr>
+            <p:cNvPr id="44" name="TextBox 43"/>
+            <p:cNvSpPr txBox="1"/>
+            <p:nvPr/>
+          </p:nvSpPr>
+          <p:spPr>
+            <a:xfrm>
+              <a:off x="8826758" y="4870514"/>
+              <a:ext cx="2258008" cy="369332"/>
+            </a:xfrm>
+            <a:prstGeom prst="rect">
+              <a:avLst/>
+            </a:prstGeom>
+            <a:noFill/>
+          </p:spPr>
+          <p:txBody>
+            <a:bodyPr wrap="square" rtlCol="0">
+              <a:spAutoFit/>
+            </a:bodyPr>
+            <a:lstStyle/>
+            <a:p>
+              <a:r>
+                <a:rPr lang="en-US" b="1" dirty="0" smtClean="0">
+                  <a:solidFill>
+                    <a:srgbClr val="FF0000"/>
+                  </a:solidFill>
+                </a:rPr>
+                <a:t>Intake Arm up – X </a:t>
+              </a:r>
+              <a:endParaRPr lang="en-US" b="1" dirty="0">
+                <a:solidFill>
+                  <a:srgbClr val="FF0000"/>
+                </a:solidFill>
+              </a:endParaRPr>
+            </a:p>
+          </p:txBody>
+        </p:sp>
+        <p:sp>
+          <p:nvSpPr>
+            <p:cNvPr id="45" name="TextBox 44"/>
+            <p:cNvSpPr txBox="1"/>
+            <p:nvPr/>
+          </p:nvSpPr>
+          <p:spPr>
+            <a:xfrm>
+              <a:off x="8826759" y="562117"/>
+              <a:ext cx="2990363" cy="646331"/>
+            </a:xfrm>
+            <a:prstGeom prst="rect">
+              <a:avLst/>
+            </a:prstGeom>
+            <a:noFill/>
+          </p:spPr>
+          <p:txBody>
+            <a:bodyPr wrap="square" rtlCol="0">
+              <a:spAutoFit/>
+            </a:bodyPr>
+            <a:lstStyle/>
+            <a:p>
+              <a:r>
+                <a:rPr lang="en-US" b="1" dirty="0" smtClean="0">
+                  <a:solidFill>
+                    <a:srgbClr val="FF0000"/>
+                  </a:solidFill>
+                </a:rPr>
+                <a:t>Intake / Lower arm – </a:t>
+              </a:r>
+            </a:p>
+            <a:p>
+              <a:r>
+                <a:rPr lang="en-US" b="1" dirty="0" smtClean="0">
+                  <a:solidFill>
+                    <a:srgbClr val="FF0000"/>
+                  </a:solidFill>
+                </a:rPr>
+                <a:t>Left Front Button</a:t>
+              </a:r>
+              <a:endParaRPr lang="en-US" b="1" dirty="0">
+                <a:solidFill>
+                  <a:srgbClr val="FF0000"/>
+                </a:solidFill>
+              </a:endParaRPr>
+            </a:p>
+          </p:txBody>
+        </p:sp>
+        <p:cxnSp>
+          <p:nvCxnSpPr>
+            <p:cNvPr id="46" name="Straight Arrow Connector 45"/>
+            <p:cNvCxnSpPr/>
+            <p:nvPr/>
+          </p:nvCxnSpPr>
+          <p:spPr>
+            <a:xfrm flipH="1">
+              <a:off x="8052321" y="1136396"/>
+              <a:ext cx="880012" cy="201506"/>
+            </a:xfrm>
+            <a:prstGeom prst="straightConnector1">
+              <a:avLst/>
+            </a:prstGeom>
+            <a:ln w="38100">
+              <a:solidFill>
+                <a:srgbClr val="FF0000"/>
+              </a:solidFill>
+              <a:tailEnd type="triangle"/>
+            </a:ln>
+          </p:spPr>
+          <p:style>
+            <a:lnRef idx="1">
+              <a:schemeClr val="accent1"/>
+            </a:lnRef>
+            <a:fillRef idx="0">
+              <a:schemeClr val="accent1"/>
+            </a:fillRef>
+            <a:effectRef idx="0">
+              <a:schemeClr val="accent1"/>
+            </a:effectRef>
+            <a:fontRef idx="minor">
+              <a:schemeClr val="tx1"/>
+            </a:fontRef>
+          </p:style>
+        </p:cxnSp>
+        <p:sp>
+          <p:nvSpPr>
+            <p:cNvPr id="47" name="TextBox 46"/>
+            <p:cNvSpPr txBox="1"/>
+            <p:nvPr/>
+          </p:nvSpPr>
+          <p:spPr>
+            <a:xfrm>
+              <a:off x="408744" y="1122373"/>
+              <a:ext cx="2919464" cy="369332"/>
+            </a:xfrm>
+            <a:prstGeom prst="rect">
+              <a:avLst/>
+            </a:prstGeom>
+            <a:noFill/>
+          </p:spPr>
+          <p:txBody>
+            <a:bodyPr wrap="square" rtlCol="0">
+              <a:spAutoFit/>
+            </a:bodyPr>
+            <a:lstStyle/>
+            <a:p>
+              <a:r>
+                <a:rPr lang="en-US" b="1" dirty="0" smtClean="0">
+                  <a:solidFill>
+                    <a:srgbClr val="FF0000"/>
+                  </a:solidFill>
+                </a:rPr>
+                <a:t>Shooter– </a:t>
+              </a:r>
+              <a:r>
+                <a:rPr lang="en-US" b="1" dirty="0">
+                  <a:solidFill>
+                    <a:srgbClr val="FF0000"/>
+                  </a:solidFill>
+                </a:rPr>
+                <a:t>Right front button</a:t>
+              </a:r>
+            </a:p>
+          </p:txBody>
+        </p:sp>
+        <p:cxnSp>
+          <p:nvCxnSpPr>
+            <p:cNvPr id="48" name="Straight Arrow Connector 47"/>
+            <p:cNvCxnSpPr>
+              <a:stCxn id="47" idx="3"/>
+            </p:cNvCxnSpPr>
+            <p:nvPr/>
+          </p:nvCxnSpPr>
+          <p:spPr>
+            <a:xfrm>
+              <a:off x="3328208" y="1307039"/>
+              <a:ext cx="992353" cy="43106"/>
+            </a:xfrm>
+            <a:prstGeom prst="straightConnector1">
+              <a:avLst/>
+            </a:prstGeom>
+            <a:ln w="38100">
+              <a:solidFill>
+                <a:srgbClr val="FF0000"/>
+              </a:solidFill>
+              <a:tailEnd type="triangle"/>
+            </a:ln>
+          </p:spPr>
+          <p:style>
+            <a:lnRef idx="1">
+              <a:schemeClr val="accent1"/>
+            </a:lnRef>
+            <a:fillRef idx="0">
+              <a:schemeClr val="accent1"/>
+            </a:fillRef>
+            <a:effectRef idx="0">
+              <a:schemeClr val="accent1"/>
+            </a:effectRef>
+            <a:fontRef idx="minor">
+              <a:schemeClr val="tx1"/>
+            </a:fontRef>
+          </p:style>
+        </p:cxnSp>
+        <p:cxnSp>
+          <p:nvCxnSpPr>
+            <p:cNvPr id="51" name="Straight Arrow Connector 50"/>
+            <p:cNvCxnSpPr/>
+            <p:nvPr/>
+          </p:nvCxnSpPr>
+          <p:spPr>
+            <a:xfrm flipH="1" flipV="1">
+              <a:off x="6871534" y="4042006"/>
+              <a:ext cx="1955224" cy="406287"/>
+            </a:xfrm>
+            <a:prstGeom prst="straightConnector1">
+              <a:avLst/>
+            </a:prstGeom>
+            <a:ln w="38100">
+              <a:solidFill>
+                <a:srgbClr val="FF0000"/>
+              </a:solidFill>
+              <a:tailEnd type="triangle"/>
+            </a:ln>
+          </p:spPr>
+          <p:style>
+            <a:lnRef idx="1">
+              <a:schemeClr val="accent1"/>
+            </a:lnRef>
+            <a:fillRef idx="0">
+              <a:schemeClr val="accent1"/>
+            </a:fillRef>
+            <a:effectRef idx="0">
+              <a:schemeClr val="accent1"/>
+            </a:effectRef>
+            <a:fontRef idx="minor">
+              <a:schemeClr val="tx1"/>
+            </a:fontRef>
+          </p:style>
+        </p:cxnSp>
+        <p:sp>
+          <p:nvSpPr>
+            <p:cNvPr id="52" name="TextBox 51"/>
+            <p:cNvSpPr txBox="1"/>
+            <p:nvPr/>
+          </p:nvSpPr>
+          <p:spPr>
+            <a:xfrm>
+              <a:off x="8873314" y="4079724"/>
+              <a:ext cx="2723115" cy="646331"/>
+            </a:xfrm>
+            <a:prstGeom prst="rect">
+              <a:avLst/>
+            </a:prstGeom>
+            <a:noFill/>
+          </p:spPr>
+          <p:txBody>
+            <a:bodyPr wrap="square" rtlCol="0">
+              <a:spAutoFit/>
+            </a:bodyPr>
+            <a:lstStyle/>
+            <a:p>
+              <a:r>
+                <a:rPr lang="en-US" b="1" dirty="0" smtClean="0">
+                  <a:solidFill>
+                    <a:srgbClr val="FF0000"/>
+                  </a:solidFill>
+                </a:rPr>
+                <a:t>Control Panel Color Match - Square</a:t>
+              </a:r>
+              <a:endParaRPr lang="en-US" b="1" dirty="0">
+                <a:solidFill>
+                  <a:srgbClr val="FF0000"/>
+                </a:solidFill>
+              </a:endParaRPr>
+            </a:p>
+          </p:txBody>
+        </p:sp>
+        <p:cxnSp>
+          <p:nvCxnSpPr>
+            <p:cNvPr id="23" name="Straight Arrow Connector 22"/>
+            <p:cNvCxnSpPr/>
+            <p:nvPr/>
+          </p:nvCxnSpPr>
+          <p:spPr>
+            <a:xfrm>
+              <a:off x="2453389" y="4547939"/>
+              <a:ext cx="1867172" cy="0"/>
+            </a:xfrm>
+            <a:prstGeom prst="straightConnector1">
+              <a:avLst/>
+            </a:prstGeom>
+            <a:ln w="38100">
+              <a:solidFill>
+                <a:srgbClr val="FF0000"/>
+              </a:solidFill>
+              <a:tailEnd type="triangle"/>
+            </a:ln>
+          </p:spPr>
+          <p:style>
+            <a:lnRef idx="1">
+              <a:schemeClr val="accent1"/>
+            </a:lnRef>
+            <a:fillRef idx="0">
+              <a:schemeClr val="accent1"/>
+            </a:fillRef>
+            <a:effectRef idx="0">
+              <a:schemeClr val="accent1"/>
+            </a:effectRef>
+            <a:fontRef idx="minor">
+              <a:schemeClr val="tx1"/>
+            </a:fontRef>
+          </p:style>
+        </p:cxnSp>
+        <p:sp>
+          <p:nvSpPr>
+            <p:cNvPr id="25" name="TextBox 24"/>
+            <p:cNvSpPr txBox="1"/>
+            <p:nvPr/>
+          </p:nvSpPr>
+          <p:spPr>
+            <a:xfrm>
+              <a:off x="195381" y="4078961"/>
+              <a:ext cx="2919464" cy="923330"/>
+            </a:xfrm>
+            <a:prstGeom prst="rect">
+              <a:avLst/>
+            </a:prstGeom>
+            <a:noFill/>
+          </p:spPr>
+          <p:txBody>
+            <a:bodyPr wrap="square" rtlCol="0">
+              <a:spAutoFit/>
+            </a:bodyPr>
+            <a:lstStyle/>
+            <a:p>
+              <a:r>
+                <a:rPr lang="en-US" b="1" dirty="0" smtClean="0">
+                  <a:solidFill>
+                    <a:srgbClr val="FF0000"/>
+                  </a:solidFill>
+                </a:rPr>
+                <a:t>Left Joystick button </a:t>
+              </a:r>
+            </a:p>
+            <a:p>
+              <a:r>
+                <a:rPr lang="en-US" b="1" dirty="0" smtClean="0">
+                  <a:solidFill>
+                    <a:srgbClr val="FF0000"/>
+                  </a:solidFill>
+                </a:rPr>
+                <a:t>Push down for low</a:t>
+              </a:r>
+            </a:p>
+            <a:p>
+              <a:r>
+                <a:rPr lang="en-US" b="1" dirty="0" smtClean="0">
+                  <a:solidFill>
+                    <a:srgbClr val="FF0000"/>
+                  </a:solidFill>
+                </a:rPr>
+                <a:t>target</a:t>
+              </a:r>
+              <a:endParaRPr lang="en-US" b="1" dirty="0">
+                <a:solidFill>
+                  <a:srgbClr val="FF0000"/>
+                </a:solidFill>
+              </a:endParaRPr>
+            </a:p>
+          </p:txBody>
+        </p:sp>
+      </p:grpSp>
+    </p:spTree>
+    <p:extLst>
+      <p:ext uri="{BB962C8B-B14F-4D97-AF65-F5344CB8AC3E}">
+        <p14:creationId xmlns:p14="http://schemas.microsoft.com/office/powerpoint/2010/main" val="3149996829"/>
       </p:ext>
     </p:extLst>
   </p:cSld>
